--- a/TechPlan/无线服务功能架构图.pptx
+++ b/TechPlan/无线服务功能架构图.pptx
@@ -104,6 +104,11 @@
       </a:defRPr>
     </a:lvl9pPr>
   </p:defaultTextStyle>
+  <p:extLst>
+    <p:ext uri="{EFAFB233-063F-42B5-8137-9DF3F51BA10A}">
+      <p15:sldGuideLst xmlns:p15="http://schemas.microsoft.com/office/powerpoint/2012/main"/>
+    </p:ext>
+  </p:extLst>
 </p:presentation>
 </file>
 
@@ -282,7 +287,7 @@
           <a:p>
             <a:fld id="{84F7EAD5-32A2-4040-AC66-AA67EA0347ED}" type="datetimeFigureOut">
               <a:rPr lang="zh-CN" altLang="en-US" smtClean="0"/>
-              <a:t>2016/7/31 Sunday</a:t>
+              <a:t>2016/8/1</a:t>
             </a:fld>
             <a:endParaRPr lang="zh-CN" altLang="en-US"/>
           </a:p>
@@ -452,7 +457,7 @@
           <a:p>
             <a:fld id="{84F7EAD5-32A2-4040-AC66-AA67EA0347ED}" type="datetimeFigureOut">
               <a:rPr lang="zh-CN" altLang="en-US" smtClean="0"/>
-              <a:t>2016/7/31 Sunday</a:t>
+              <a:t>2016/8/1</a:t>
             </a:fld>
             <a:endParaRPr lang="zh-CN" altLang="en-US"/>
           </a:p>
@@ -632,7 +637,7 @@
           <a:p>
             <a:fld id="{84F7EAD5-32A2-4040-AC66-AA67EA0347ED}" type="datetimeFigureOut">
               <a:rPr lang="zh-CN" altLang="en-US" smtClean="0"/>
-              <a:t>2016/7/31 Sunday</a:t>
+              <a:t>2016/8/1</a:t>
             </a:fld>
             <a:endParaRPr lang="zh-CN" altLang="en-US"/>
           </a:p>
@@ -802,7 +807,7 @@
           <a:p>
             <a:fld id="{84F7EAD5-32A2-4040-AC66-AA67EA0347ED}" type="datetimeFigureOut">
               <a:rPr lang="zh-CN" altLang="en-US" smtClean="0"/>
-              <a:t>2016/7/31 Sunday</a:t>
+              <a:t>2016/8/1</a:t>
             </a:fld>
             <a:endParaRPr lang="zh-CN" altLang="en-US"/>
           </a:p>
@@ -1048,7 +1053,7 @@
           <a:p>
             <a:fld id="{84F7EAD5-32A2-4040-AC66-AA67EA0347ED}" type="datetimeFigureOut">
               <a:rPr lang="zh-CN" altLang="en-US" smtClean="0"/>
-              <a:t>2016/7/31 Sunday</a:t>
+              <a:t>2016/8/1</a:t>
             </a:fld>
             <a:endParaRPr lang="zh-CN" altLang="en-US"/>
           </a:p>
@@ -1280,7 +1285,7 @@
           <a:p>
             <a:fld id="{84F7EAD5-32A2-4040-AC66-AA67EA0347ED}" type="datetimeFigureOut">
               <a:rPr lang="zh-CN" altLang="en-US" smtClean="0"/>
-              <a:t>2016/7/31 Sunday</a:t>
+              <a:t>2016/8/1</a:t>
             </a:fld>
             <a:endParaRPr lang="zh-CN" altLang="en-US"/>
           </a:p>
@@ -1647,7 +1652,7 @@
           <a:p>
             <a:fld id="{84F7EAD5-32A2-4040-AC66-AA67EA0347ED}" type="datetimeFigureOut">
               <a:rPr lang="zh-CN" altLang="en-US" smtClean="0"/>
-              <a:t>2016/7/31 Sunday</a:t>
+              <a:t>2016/8/1</a:t>
             </a:fld>
             <a:endParaRPr lang="zh-CN" altLang="en-US"/>
           </a:p>
@@ -1765,7 +1770,7 @@
           <a:p>
             <a:fld id="{84F7EAD5-32A2-4040-AC66-AA67EA0347ED}" type="datetimeFigureOut">
               <a:rPr lang="zh-CN" altLang="en-US" smtClean="0"/>
-              <a:t>2016/7/31 Sunday</a:t>
+              <a:t>2016/8/1</a:t>
             </a:fld>
             <a:endParaRPr lang="zh-CN" altLang="en-US"/>
           </a:p>
@@ -1860,7 +1865,7 @@
           <a:p>
             <a:fld id="{84F7EAD5-32A2-4040-AC66-AA67EA0347ED}" type="datetimeFigureOut">
               <a:rPr lang="zh-CN" altLang="en-US" smtClean="0"/>
-              <a:t>2016/7/31 Sunday</a:t>
+              <a:t>2016/8/1</a:t>
             </a:fld>
             <a:endParaRPr lang="zh-CN" altLang="en-US"/>
           </a:p>
@@ -2137,7 +2142,7 @@
           <a:p>
             <a:fld id="{84F7EAD5-32A2-4040-AC66-AA67EA0347ED}" type="datetimeFigureOut">
               <a:rPr lang="zh-CN" altLang="en-US" smtClean="0"/>
-              <a:t>2016/7/31 Sunday</a:t>
+              <a:t>2016/8/1</a:t>
             </a:fld>
             <a:endParaRPr lang="zh-CN" altLang="en-US"/>
           </a:p>
@@ -2390,7 +2395,7 @@
           <a:p>
             <a:fld id="{84F7EAD5-32A2-4040-AC66-AA67EA0347ED}" type="datetimeFigureOut">
               <a:rPr lang="zh-CN" altLang="en-US" smtClean="0"/>
-              <a:t>2016/7/31 Sunday</a:t>
+              <a:t>2016/8/1</a:t>
             </a:fld>
             <a:endParaRPr lang="zh-CN" altLang="en-US"/>
           </a:p>
@@ -2603,7 +2608,7 @@
           <a:p>
             <a:fld id="{84F7EAD5-32A2-4040-AC66-AA67EA0347ED}" type="datetimeFigureOut">
               <a:rPr lang="zh-CN" altLang="en-US" smtClean="0"/>
-              <a:t>2016/7/31 Sunday</a:t>
+              <a:t>2016/8/1</a:t>
             </a:fld>
             <a:endParaRPr lang="zh-CN" altLang="en-US"/>
           </a:p>
@@ -3398,7 +3403,7 @@
         </p:nvSpPr>
         <p:spPr>
           <a:xfrm>
-            <a:off x="5691378" y="1151090"/>
+            <a:off x="5698236" y="1125863"/>
             <a:ext cx="914400" cy="245364"/>
           </a:xfrm>
           <a:prstGeom prst="roundRect">
@@ -4983,6 +4988,188 @@
               <a:rPr lang="en-US" altLang="zh-CN" sz="1200" dirty="0" smtClean="0"/>
               <a:t>…</a:t>
             </a:r>
+          </a:p>
+        </p:txBody>
+      </p:sp>
+      <p:sp>
+        <p:nvSpPr>
+          <p:cNvPr id="49" name="圆角矩形 48"/>
+          <p:cNvSpPr/>
+          <p:nvPr/>
+        </p:nvSpPr>
+        <p:spPr>
+          <a:xfrm>
+            <a:off x="4466653" y="1092511"/>
+            <a:ext cx="914400" cy="216964"/>
+          </a:xfrm>
+          <a:prstGeom prst="roundRect">
+            <a:avLst/>
+          </a:prstGeom>
+        </p:spPr>
+        <p:style>
+          <a:lnRef idx="2">
+            <a:schemeClr val="accent1">
+              <a:shade val="50000"/>
+            </a:schemeClr>
+          </a:lnRef>
+          <a:fillRef idx="1">
+            <a:schemeClr val="accent1"/>
+          </a:fillRef>
+          <a:effectRef idx="0">
+            <a:schemeClr val="accent1"/>
+          </a:effectRef>
+          <a:fontRef idx="minor">
+            <a:schemeClr val="lt1"/>
+          </a:fontRef>
+        </p:style>
+        <p:txBody>
+          <a:bodyPr rtlCol="0" anchor="ctr"/>
+          <a:lstStyle/>
+          <a:p>
+            <a:pPr algn="ctr"/>
+            <a:r>
+              <a:rPr lang="zh-CN" altLang="en-US" sz="1200" dirty="0" smtClean="0"/>
+              <a:t>转拼音</a:t>
+            </a:r>
+            <a:endParaRPr lang="en-US" altLang="zh-CN" sz="1200" dirty="0" smtClean="0"/>
+          </a:p>
+        </p:txBody>
+      </p:sp>
+      <p:sp>
+        <p:nvSpPr>
+          <p:cNvPr id="54" name="圆角矩形 53"/>
+          <p:cNvSpPr/>
+          <p:nvPr/>
+        </p:nvSpPr>
+        <p:spPr>
+          <a:xfrm>
+            <a:off x="4465669" y="1380476"/>
+            <a:ext cx="914400" cy="216964"/>
+          </a:xfrm>
+          <a:prstGeom prst="roundRect">
+            <a:avLst/>
+          </a:prstGeom>
+        </p:spPr>
+        <p:style>
+          <a:lnRef idx="2">
+            <a:schemeClr val="accent1">
+              <a:shade val="50000"/>
+            </a:schemeClr>
+          </a:lnRef>
+          <a:fillRef idx="1">
+            <a:schemeClr val="accent1"/>
+          </a:fillRef>
+          <a:effectRef idx="0">
+            <a:schemeClr val="accent1"/>
+          </a:effectRef>
+          <a:fontRef idx="minor">
+            <a:schemeClr val="lt1"/>
+          </a:fontRef>
+        </p:style>
+        <p:txBody>
+          <a:bodyPr rtlCol="0" anchor="ctr"/>
+          <a:lstStyle>
+            <a:defPPr>
+              <a:defRPr lang="zh-CN"/>
+            </a:defPPr>
+            <a:lvl1pPr marL="0" algn="l" defTabSz="914400" rtl="0" eaLnBrk="1" latinLnBrk="0" hangingPunct="1">
+              <a:defRPr sz="1800" kern="1200">
+                <a:solidFill>
+                  <a:schemeClr val="lt1"/>
+                </a:solidFill>
+                <a:latin typeface="+mn-lt"/>
+                <a:ea typeface="+mn-ea"/>
+                <a:cs typeface="+mn-cs"/>
+              </a:defRPr>
+            </a:lvl1pPr>
+            <a:lvl2pPr marL="457200" algn="l" defTabSz="914400" rtl="0" eaLnBrk="1" latinLnBrk="0" hangingPunct="1">
+              <a:defRPr sz="1800" kern="1200">
+                <a:solidFill>
+                  <a:schemeClr val="lt1"/>
+                </a:solidFill>
+                <a:latin typeface="+mn-lt"/>
+                <a:ea typeface="+mn-ea"/>
+                <a:cs typeface="+mn-cs"/>
+              </a:defRPr>
+            </a:lvl2pPr>
+            <a:lvl3pPr marL="914400" algn="l" defTabSz="914400" rtl="0" eaLnBrk="1" latinLnBrk="0" hangingPunct="1">
+              <a:defRPr sz="1800" kern="1200">
+                <a:solidFill>
+                  <a:schemeClr val="lt1"/>
+                </a:solidFill>
+                <a:latin typeface="+mn-lt"/>
+                <a:ea typeface="+mn-ea"/>
+                <a:cs typeface="+mn-cs"/>
+              </a:defRPr>
+            </a:lvl3pPr>
+            <a:lvl4pPr marL="1371600" algn="l" defTabSz="914400" rtl="0" eaLnBrk="1" latinLnBrk="0" hangingPunct="1">
+              <a:defRPr sz="1800" kern="1200">
+                <a:solidFill>
+                  <a:schemeClr val="lt1"/>
+                </a:solidFill>
+                <a:latin typeface="+mn-lt"/>
+                <a:ea typeface="+mn-ea"/>
+                <a:cs typeface="+mn-cs"/>
+              </a:defRPr>
+            </a:lvl4pPr>
+            <a:lvl5pPr marL="1828800" algn="l" defTabSz="914400" rtl="0" eaLnBrk="1" latinLnBrk="0" hangingPunct="1">
+              <a:defRPr sz="1800" kern="1200">
+                <a:solidFill>
+                  <a:schemeClr val="lt1"/>
+                </a:solidFill>
+                <a:latin typeface="+mn-lt"/>
+                <a:ea typeface="+mn-ea"/>
+                <a:cs typeface="+mn-cs"/>
+              </a:defRPr>
+            </a:lvl5pPr>
+            <a:lvl6pPr marL="2286000" algn="l" defTabSz="914400" rtl="0" eaLnBrk="1" latinLnBrk="0" hangingPunct="1">
+              <a:defRPr sz="1800" kern="1200">
+                <a:solidFill>
+                  <a:schemeClr val="lt1"/>
+                </a:solidFill>
+                <a:latin typeface="+mn-lt"/>
+                <a:ea typeface="+mn-ea"/>
+                <a:cs typeface="+mn-cs"/>
+              </a:defRPr>
+            </a:lvl6pPr>
+            <a:lvl7pPr marL="2743200" algn="l" defTabSz="914400" rtl="0" eaLnBrk="1" latinLnBrk="0" hangingPunct="1">
+              <a:defRPr sz="1800" kern="1200">
+                <a:solidFill>
+                  <a:schemeClr val="lt1"/>
+                </a:solidFill>
+                <a:latin typeface="+mn-lt"/>
+                <a:ea typeface="+mn-ea"/>
+                <a:cs typeface="+mn-cs"/>
+              </a:defRPr>
+            </a:lvl7pPr>
+            <a:lvl8pPr marL="3200400" algn="l" defTabSz="914400" rtl="0" eaLnBrk="1" latinLnBrk="0" hangingPunct="1">
+              <a:defRPr sz="1800" kern="1200">
+                <a:solidFill>
+                  <a:schemeClr val="lt1"/>
+                </a:solidFill>
+                <a:latin typeface="+mn-lt"/>
+                <a:ea typeface="+mn-ea"/>
+                <a:cs typeface="+mn-cs"/>
+              </a:defRPr>
+            </a:lvl8pPr>
+            <a:lvl9pPr marL="3657600" algn="l" defTabSz="914400" rtl="0" eaLnBrk="1" latinLnBrk="0" hangingPunct="1">
+              <a:defRPr sz="1800" kern="1200">
+                <a:solidFill>
+                  <a:schemeClr val="lt1"/>
+                </a:solidFill>
+                <a:latin typeface="+mn-lt"/>
+                <a:ea typeface="+mn-ea"/>
+                <a:cs typeface="+mn-cs"/>
+              </a:defRPr>
+            </a:lvl9pPr>
+          </a:lstStyle>
+          <a:p>
+            <a:pPr algn="ctr"/>
+            <a:r>
+              <a:rPr lang="en-US" altLang="zh-CN" sz="1200" dirty="0"/>
+              <a:t>OCR</a:t>
+            </a:r>
+            <a:endParaRPr lang="en-US" altLang="zh-CN" sz="1200" dirty="0" smtClean="0"/>
           </a:p>
         </p:txBody>
       </p:sp>

--- a/TechPlan/无线服务功能架构图.pptx
+++ b/TechPlan/无线服务功能架构图.pptx
@@ -6,6 +6,10 @@
   </p:sldMasterIdLst>
   <p:sldIdLst>
     <p:sldId id="256" r:id="rId2"/>
+    <p:sldId id="257" r:id="rId3"/>
+    <p:sldId id="262" r:id="rId4"/>
+    <p:sldId id="261" r:id="rId5"/>
+    <p:sldId id="260" r:id="rId6"/>
   </p:sldIdLst>
   <p:sldSz cx="12192000" cy="6858000"/>
   <p:notesSz cx="6858000" cy="9144000"/>
@@ -287,7 +291,7 @@
           <a:p>
             <a:fld id="{84F7EAD5-32A2-4040-AC66-AA67EA0347ED}" type="datetimeFigureOut">
               <a:rPr lang="zh-CN" altLang="en-US" smtClean="0"/>
-              <a:t>2016/8/1</a:t>
+              <a:t>2017/7/13</a:t>
             </a:fld>
             <a:endParaRPr lang="zh-CN" altLang="en-US"/>
           </a:p>
@@ -457,7 +461,7 @@
           <a:p>
             <a:fld id="{84F7EAD5-32A2-4040-AC66-AA67EA0347ED}" type="datetimeFigureOut">
               <a:rPr lang="zh-CN" altLang="en-US" smtClean="0"/>
-              <a:t>2016/8/1</a:t>
+              <a:t>2017/7/13</a:t>
             </a:fld>
             <a:endParaRPr lang="zh-CN" altLang="en-US"/>
           </a:p>
@@ -637,7 +641,7 @@
           <a:p>
             <a:fld id="{84F7EAD5-32A2-4040-AC66-AA67EA0347ED}" type="datetimeFigureOut">
               <a:rPr lang="zh-CN" altLang="en-US" smtClean="0"/>
-              <a:t>2016/8/1</a:t>
+              <a:t>2017/7/13</a:t>
             </a:fld>
             <a:endParaRPr lang="zh-CN" altLang="en-US"/>
           </a:p>
@@ -807,7 +811,7 @@
           <a:p>
             <a:fld id="{84F7EAD5-32A2-4040-AC66-AA67EA0347ED}" type="datetimeFigureOut">
               <a:rPr lang="zh-CN" altLang="en-US" smtClean="0"/>
-              <a:t>2016/8/1</a:t>
+              <a:t>2017/7/13</a:t>
             </a:fld>
             <a:endParaRPr lang="zh-CN" altLang="en-US"/>
           </a:p>
@@ -1053,7 +1057,7 @@
           <a:p>
             <a:fld id="{84F7EAD5-32A2-4040-AC66-AA67EA0347ED}" type="datetimeFigureOut">
               <a:rPr lang="zh-CN" altLang="en-US" smtClean="0"/>
-              <a:t>2016/8/1</a:t>
+              <a:t>2017/7/13</a:t>
             </a:fld>
             <a:endParaRPr lang="zh-CN" altLang="en-US"/>
           </a:p>
@@ -1285,7 +1289,7 @@
           <a:p>
             <a:fld id="{84F7EAD5-32A2-4040-AC66-AA67EA0347ED}" type="datetimeFigureOut">
               <a:rPr lang="zh-CN" altLang="en-US" smtClean="0"/>
-              <a:t>2016/8/1</a:t>
+              <a:t>2017/7/13</a:t>
             </a:fld>
             <a:endParaRPr lang="zh-CN" altLang="en-US"/>
           </a:p>
@@ -1652,7 +1656,7 @@
           <a:p>
             <a:fld id="{84F7EAD5-32A2-4040-AC66-AA67EA0347ED}" type="datetimeFigureOut">
               <a:rPr lang="zh-CN" altLang="en-US" smtClean="0"/>
-              <a:t>2016/8/1</a:t>
+              <a:t>2017/7/13</a:t>
             </a:fld>
             <a:endParaRPr lang="zh-CN" altLang="en-US"/>
           </a:p>
@@ -1770,7 +1774,7 @@
           <a:p>
             <a:fld id="{84F7EAD5-32A2-4040-AC66-AA67EA0347ED}" type="datetimeFigureOut">
               <a:rPr lang="zh-CN" altLang="en-US" smtClean="0"/>
-              <a:t>2016/8/1</a:t>
+              <a:t>2017/7/13</a:t>
             </a:fld>
             <a:endParaRPr lang="zh-CN" altLang="en-US"/>
           </a:p>
@@ -1865,7 +1869,7 @@
           <a:p>
             <a:fld id="{84F7EAD5-32A2-4040-AC66-AA67EA0347ED}" type="datetimeFigureOut">
               <a:rPr lang="zh-CN" altLang="en-US" smtClean="0"/>
-              <a:t>2016/8/1</a:t>
+              <a:t>2017/7/13</a:t>
             </a:fld>
             <a:endParaRPr lang="zh-CN" altLang="en-US"/>
           </a:p>
@@ -2142,7 +2146,7 @@
           <a:p>
             <a:fld id="{84F7EAD5-32A2-4040-AC66-AA67EA0347ED}" type="datetimeFigureOut">
               <a:rPr lang="zh-CN" altLang="en-US" smtClean="0"/>
-              <a:t>2016/8/1</a:t>
+              <a:t>2017/7/13</a:t>
             </a:fld>
             <a:endParaRPr lang="zh-CN" altLang="en-US"/>
           </a:p>
@@ -2395,7 +2399,7 @@
           <a:p>
             <a:fld id="{84F7EAD5-32A2-4040-AC66-AA67EA0347ED}" type="datetimeFigureOut">
               <a:rPr lang="zh-CN" altLang="en-US" smtClean="0"/>
-              <a:t>2016/8/1</a:t>
+              <a:t>2017/7/13</a:t>
             </a:fld>
             <a:endParaRPr lang="zh-CN" altLang="en-US"/>
           </a:p>
@@ -2608,7 +2612,7 @@
           <a:p>
             <a:fld id="{84F7EAD5-32A2-4040-AC66-AA67EA0347ED}" type="datetimeFigureOut">
               <a:rPr lang="zh-CN" altLang="en-US" smtClean="0"/>
-              <a:t>2016/8/1</a:t>
+              <a:t>2017/7/13</a:t>
             </a:fld>
             <a:endParaRPr lang="zh-CN" altLang="en-US"/>
           </a:p>
@@ -5193,6 +5197,2000 @@
 </p:sld>
 </file>
 
+<file path=ppt/slides/slide2.xml><?xml version="1.0" encoding="utf-8"?>
+<p:sld xmlns:a="http://schemas.openxmlformats.org/drawingml/2006/main" xmlns:r="http://schemas.openxmlformats.org/officeDocument/2006/relationships" xmlns:p="http://schemas.openxmlformats.org/presentationml/2006/main">
+  <p:cSld>
+    <p:spTree>
+      <p:nvGrpSpPr>
+        <p:cNvPr id="1" name=""/>
+        <p:cNvGrpSpPr/>
+        <p:nvPr/>
+      </p:nvGrpSpPr>
+      <p:grpSpPr>
+        <a:xfrm>
+          <a:off x="0" y="0"/>
+          <a:ext cx="0" cy="0"/>
+          <a:chOff x="0" y="0"/>
+          <a:chExt cx="0" cy="0"/>
+        </a:xfrm>
+      </p:grpSpPr>
+      <p:sp>
+        <p:nvSpPr>
+          <p:cNvPr id="4" name="矩形 3"/>
+          <p:cNvSpPr/>
+          <p:nvPr/>
+        </p:nvSpPr>
+        <p:spPr>
+          <a:xfrm>
+            <a:off x="2133599" y="1430213"/>
+            <a:ext cx="8088923" cy="1117601"/>
+          </a:xfrm>
+          <a:prstGeom prst="rect">
+            <a:avLst/>
+          </a:prstGeom>
+        </p:spPr>
+        <p:style>
+          <a:lnRef idx="2">
+            <a:schemeClr val="accent1"/>
+          </a:lnRef>
+          <a:fillRef idx="1">
+            <a:schemeClr val="lt1"/>
+          </a:fillRef>
+          <a:effectRef idx="0">
+            <a:schemeClr val="accent1"/>
+          </a:effectRef>
+          <a:fontRef idx="minor">
+            <a:schemeClr val="dk1"/>
+          </a:fontRef>
+        </p:style>
+        <p:txBody>
+          <a:bodyPr rtlCol="0" anchor="ctr"/>
+          <a:lstStyle/>
+          <a:p>
+            <a:pPr algn="ctr"/>
+            <a:endParaRPr lang="zh-CN" altLang="en-US"/>
+          </a:p>
+        </p:txBody>
+      </p:sp>
+      <p:sp>
+        <p:nvSpPr>
+          <p:cNvPr id="5" name="圆角矩形 4"/>
+          <p:cNvSpPr/>
+          <p:nvPr/>
+        </p:nvSpPr>
+        <p:spPr>
+          <a:xfrm>
+            <a:off x="2651368" y="1531812"/>
+            <a:ext cx="914400" cy="914400"/>
+          </a:xfrm>
+          <a:prstGeom prst="roundRect">
+            <a:avLst/>
+          </a:prstGeom>
+        </p:spPr>
+        <p:style>
+          <a:lnRef idx="2">
+            <a:schemeClr val="accent1">
+              <a:shade val="50000"/>
+            </a:schemeClr>
+          </a:lnRef>
+          <a:fillRef idx="1">
+            <a:schemeClr val="accent1"/>
+          </a:fillRef>
+          <a:effectRef idx="0">
+            <a:schemeClr val="accent1"/>
+          </a:effectRef>
+          <a:fontRef idx="minor">
+            <a:schemeClr val="lt1"/>
+          </a:fontRef>
+        </p:style>
+        <p:txBody>
+          <a:bodyPr rtlCol="0" anchor="ctr"/>
+          <a:lstStyle/>
+          <a:p>
+            <a:pPr algn="ctr"/>
+            <a:r>
+              <a:rPr lang="en-US" altLang="zh-CN" dirty="0" smtClean="0"/>
+              <a:t>APP</a:t>
+            </a:r>
+            <a:endParaRPr lang="zh-CN" altLang="en-US" dirty="0"/>
+          </a:p>
+        </p:txBody>
+      </p:sp>
+      <p:sp>
+        <p:nvSpPr>
+          <p:cNvPr id="6" name="圆角矩形 5"/>
+          <p:cNvSpPr/>
+          <p:nvPr/>
+        </p:nvSpPr>
+        <p:spPr>
+          <a:xfrm>
+            <a:off x="3838329" y="1531812"/>
+            <a:ext cx="914400" cy="914400"/>
+          </a:xfrm>
+          <a:prstGeom prst="roundRect">
+            <a:avLst/>
+          </a:prstGeom>
+        </p:spPr>
+        <p:style>
+          <a:lnRef idx="2">
+            <a:schemeClr val="accent1">
+              <a:shade val="50000"/>
+            </a:schemeClr>
+          </a:lnRef>
+          <a:fillRef idx="1">
+            <a:schemeClr val="accent1"/>
+          </a:fillRef>
+          <a:effectRef idx="0">
+            <a:schemeClr val="accent1"/>
+          </a:effectRef>
+          <a:fontRef idx="minor">
+            <a:schemeClr val="lt1"/>
+          </a:fontRef>
+        </p:style>
+        <p:txBody>
+          <a:bodyPr rtlCol="0" anchor="ctr"/>
+          <a:lstStyle/>
+          <a:p>
+            <a:pPr algn="ctr"/>
+            <a:r>
+              <a:rPr lang="en-US" altLang="zh-CN" dirty="0" smtClean="0"/>
+              <a:t>H5</a:t>
+            </a:r>
+            <a:endParaRPr lang="zh-CN" altLang="en-US" dirty="0"/>
+          </a:p>
+        </p:txBody>
+      </p:sp>
+      <p:sp>
+        <p:nvSpPr>
+          <p:cNvPr id="7" name="圆角矩形 6"/>
+          <p:cNvSpPr/>
+          <p:nvPr/>
+        </p:nvSpPr>
+        <p:spPr>
+          <a:xfrm>
+            <a:off x="6138983" y="1531812"/>
+            <a:ext cx="914400" cy="914400"/>
+          </a:xfrm>
+          <a:prstGeom prst="roundRect">
+            <a:avLst/>
+          </a:prstGeom>
+        </p:spPr>
+        <p:style>
+          <a:lnRef idx="2">
+            <a:schemeClr val="accent1">
+              <a:shade val="50000"/>
+            </a:schemeClr>
+          </a:lnRef>
+          <a:fillRef idx="1">
+            <a:schemeClr val="accent1"/>
+          </a:fillRef>
+          <a:effectRef idx="0">
+            <a:schemeClr val="accent1"/>
+          </a:effectRef>
+          <a:fontRef idx="minor">
+            <a:schemeClr val="lt1"/>
+          </a:fontRef>
+        </p:style>
+        <p:txBody>
+          <a:bodyPr rot="0" spcFirstLastPara="0" vert="horz" wrap="square" lIns="91440" tIns="45720" rIns="91440" bIns="45720" numCol="1" spcCol="0" rtlCol="0" fromWordArt="0" anchor="ctr" anchorCtr="0" forceAA="0" compatLnSpc="1">
+            <a:prstTxWarp prst="textNoShape">
+              <a:avLst/>
+            </a:prstTxWarp>
+            <a:noAutofit/>
+          </a:bodyPr>
+          <a:lstStyle>
+            <a:defPPr>
+              <a:defRPr lang="zh-CN"/>
+            </a:defPPr>
+            <a:lvl1pPr marL="0" algn="l" defTabSz="914400" rtl="0" eaLnBrk="1" latinLnBrk="0" hangingPunct="1">
+              <a:defRPr sz="1800" kern="1200">
+                <a:solidFill>
+                  <a:schemeClr val="lt1"/>
+                </a:solidFill>
+                <a:latin typeface="+mn-lt"/>
+                <a:ea typeface="+mn-ea"/>
+                <a:cs typeface="+mn-cs"/>
+              </a:defRPr>
+            </a:lvl1pPr>
+            <a:lvl2pPr marL="457200" algn="l" defTabSz="914400" rtl="0" eaLnBrk="1" latinLnBrk="0" hangingPunct="1">
+              <a:defRPr sz="1800" kern="1200">
+                <a:solidFill>
+                  <a:schemeClr val="lt1"/>
+                </a:solidFill>
+                <a:latin typeface="+mn-lt"/>
+                <a:ea typeface="+mn-ea"/>
+                <a:cs typeface="+mn-cs"/>
+              </a:defRPr>
+            </a:lvl2pPr>
+            <a:lvl3pPr marL="914400" algn="l" defTabSz="914400" rtl="0" eaLnBrk="1" latinLnBrk="0" hangingPunct="1">
+              <a:defRPr sz="1800" kern="1200">
+                <a:solidFill>
+                  <a:schemeClr val="lt1"/>
+                </a:solidFill>
+                <a:latin typeface="+mn-lt"/>
+                <a:ea typeface="+mn-ea"/>
+                <a:cs typeface="+mn-cs"/>
+              </a:defRPr>
+            </a:lvl3pPr>
+            <a:lvl4pPr marL="1371600" algn="l" defTabSz="914400" rtl="0" eaLnBrk="1" latinLnBrk="0" hangingPunct="1">
+              <a:defRPr sz="1800" kern="1200">
+                <a:solidFill>
+                  <a:schemeClr val="lt1"/>
+                </a:solidFill>
+                <a:latin typeface="+mn-lt"/>
+                <a:ea typeface="+mn-ea"/>
+                <a:cs typeface="+mn-cs"/>
+              </a:defRPr>
+            </a:lvl4pPr>
+            <a:lvl5pPr marL="1828800" algn="l" defTabSz="914400" rtl="0" eaLnBrk="1" latinLnBrk="0" hangingPunct="1">
+              <a:defRPr sz="1800" kern="1200">
+                <a:solidFill>
+                  <a:schemeClr val="lt1"/>
+                </a:solidFill>
+                <a:latin typeface="+mn-lt"/>
+                <a:ea typeface="+mn-ea"/>
+                <a:cs typeface="+mn-cs"/>
+              </a:defRPr>
+            </a:lvl5pPr>
+            <a:lvl6pPr marL="2286000" algn="l" defTabSz="914400" rtl="0" eaLnBrk="1" latinLnBrk="0" hangingPunct="1">
+              <a:defRPr sz="1800" kern="1200">
+                <a:solidFill>
+                  <a:schemeClr val="lt1"/>
+                </a:solidFill>
+                <a:latin typeface="+mn-lt"/>
+                <a:ea typeface="+mn-ea"/>
+                <a:cs typeface="+mn-cs"/>
+              </a:defRPr>
+            </a:lvl6pPr>
+            <a:lvl7pPr marL="2743200" algn="l" defTabSz="914400" rtl="0" eaLnBrk="1" latinLnBrk="0" hangingPunct="1">
+              <a:defRPr sz="1800" kern="1200">
+                <a:solidFill>
+                  <a:schemeClr val="lt1"/>
+                </a:solidFill>
+                <a:latin typeface="+mn-lt"/>
+                <a:ea typeface="+mn-ea"/>
+                <a:cs typeface="+mn-cs"/>
+              </a:defRPr>
+            </a:lvl7pPr>
+            <a:lvl8pPr marL="3200400" algn="l" defTabSz="914400" rtl="0" eaLnBrk="1" latinLnBrk="0" hangingPunct="1">
+              <a:defRPr sz="1800" kern="1200">
+                <a:solidFill>
+                  <a:schemeClr val="lt1"/>
+                </a:solidFill>
+                <a:latin typeface="+mn-lt"/>
+                <a:ea typeface="+mn-ea"/>
+                <a:cs typeface="+mn-cs"/>
+              </a:defRPr>
+            </a:lvl8pPr>
+            <a:lvl9pPr marL="3657600" algn="l" defTabSz="914400" rtl="0" eaLnBrk="1" latinLnBrk="0" hangingPunct="1">
+              <a:defRPr sz="1800" kern="1200">
+                <a:solidFill>
+                  <a:schemeClr val="lt1"/>
+                </a:solidFill>
+                <a:latin typeface="+mn-lt"/>
+                <a:ea typeface="+mn-ea"/>
+                <a:cs typeface="+mn-cs"/>
+              </a:defRPr>
+            </a:lvl9pPr>
+          </a:lstStyle>
+          <a:p>
+            <a:pPr algn="ctr"/>
+            <a:r>
+              <a:rPr lang="en-US" altLang="zh-CN" dirty="0" smtClean="0"/>
+              <a:t>Online</a:t>
+            </a:r>
+            <a:endParaRPr lang="zh-CN" altLang="en-US" dirty="0"/>
+          </a:p>
+        </p:txBody>
+      </p:sp>
+      <p:sp>
+        <p:nvSpPr>
+          <p:cNvPr id="8" name="圆角矩形 7"/>
+          <p:cNvSpPr/>
+          <p:nvPr/>
+        </p:nvSpPr>
+        <p:spPr>
+          <a:xfrm>
+            <a:off x="7356229" y="1531812"/>
+            <a:ext cx="914400" cy="914400"/>
+          </a:xfrm>
+          <a:prstGeom prst="roundRect">
+            <a:avLst/>
+          </a:prstGeom>
+        </p:spPr>
+        <p:style>
+          <a:lnRef idx="2">
+            <a:schemeClr val="accent1">
+              <a:shade val="50000"/>
+            </a:schemeClr>
+          </a:lnRef>
+          <a:fillRef idx="1">
+            <a:schemeClr val="accent1"/>
+          </a:fillRef>
+          <a:effectRef idx="0">
+            <a:schemeClr val="accent1"/>
+          </a:effectRef>
+          <a:fontRef idx="minor">
+            <a:schemeClr val="lt1"/>
+          </a:fontRef>
+        </p:style>
+        <p:txBody>
+          <a:bodyPr rot="0" spcFirstLastPara="0" vert="horz" wrap="square" lIns="91440" tIns="45720" rIns="91440" bIns="45720" numCol="1" spcCol="0" rtlCol="0" fromWordArt="0" anchor="ctr" anchorCtr="0" forceAA="0" compatLnSpc="1">
+            <a:prstTxWarp prst="textNoShape">
+              <a:avLst/>
+            </a:prstTxWarp>
+            <a:noAutofit/>
+          </a:bodyPr>
+          <a:lstStyle>
+            <a:defPPr>
+              <a:defRPr lang="zh-CN"/>
+            </a:defPPr>
+            <a:lvl1pPr marL="0" algn="l" defTabSz="914400" rtl="0" eaLnBrk="1" latinLnBrk="0" hangingPunct="1">
+              <a:defRPr sz="1800" kern="1200">
+                <a:solidFill>
+                  <a:schemeClr val="lt1"/>
+                </a:solidFill>
+                <a:latin typeface="+mn-lt"/>
+                <a:ea typeface="+mn-ea"/>
+                <a:cs typeface="+mn-cs"/>
+              </a:defRPr>
+            </a:lvl1pPr>
+            <a:lvl2pPr marL="457200" algn="l" defTabSz="914400" rtl="0" eaLnBrk="1" latinLnBrk="0" hangingPunct="1">
+              <a:defRPr sz="1800" kern="1200">
+                <a:solidFill>
+                  <a:schemeClr val="lt1"/>
+                </a:solidFill>
+                <a:latin typeface="+mn-lt"/>
+                <a:ea typeface="+mn-ea"/>
+                <a:cs typeface="+mn-cs"/>
+              </a:defRPr>
+            </a:lvl2pPr>
+            <a:lvl3pPr marL="914400" algn="l" defTabSz="914400" rtl="0" eaLnBrk="1" latinLnBrk="0" hangingPunct="1">
+              <a:defRPr sz="1800" kern="1200">
+                <a:solidFill>
+                  <a:schemeClr val="lt1"/>
+                </a:solidFill>
+                <a:latin typeface="+mn-lt"/>
+                <a:ea typeface="+mn-ea"/>
+                <a:cs typeface="+mn-cs"/>
+              </a:defRPr>
+            </a:lvl3pPr>
+            <a:lvl4pPr marL="1371600" algn="l" defTabSz="914400" rtl="0" eaLnBrk="1" latinLnBrk="0" hangingPunct="1">
+              <a:defRPr sz="1800" kern="1200">
+                <a:solidFill>
+                  <a:schemeClr val="lt1"/>
+                </a:solidFill>
+                <a:latin typeface="+mn-lt"/>
+                <a:ea typeface="+mn-ea"/>
+                <a:cs typeface="+mn-cs"/>
+              </a:defRPr>
+            </a:lvl4pPr>
+            <a:lvl5pPr marL="1828800" algn="l" defTabSz="914400" rtl="0" eaLnBrk="1" latinLnBrk="0" hangingPunct="1">
+              <a:defRPr sz="1800" kern="1200">
+                <a:solidFill>
+                  <a:schemeClr val="lt1"/>
+                </a:solidFill>
+                <a:latin typeface="+mn-lt"/>
+                <a:ea typeface="+mn-ea"/>
+                <a:cs typeface="+mn-cs"/>
+              </a:defRPr>
+            </a:lvl5pPr>
+            <a:lvl6pPr marL="2286000" algn="l" defTabSz="914400" rtl="0" eaLnBrk="1" latinLnBrk="0" hangingPunct="1">
+              <a:defRPr sz="1800" kern="1200">
+                <a:solidFill>
+                  <a:schemeClr val="lt1"/>
+                </a:solidFill>
+                <a:latin typeface="+mn-lt"/>
+                <a:ea typeface="+mn-ea"/>
+                <a:cs typeface="+mn-cs"/>
+              </a:defRPr>
+            </a:lvl6pPr>
+            <a:lvl7pPr marL="2743200" algn="l" defTabSz="914400" rtl="0" eaLnBrk="1" latinLnBrk="0" hangingPunct="1">
+              <a:defRPr sz="1800" kern="1200">
+                <a:solidFill>
+                  <a:schemeClr val="lt1"/>
+                </a:solidFill>
+                <a:latin typeface="+mn-lt"/>
+                <a:ea typeface="+mn-ea"/>
+                <a:cs typeface="+mn-cs"/>
+              </a:defRPr>
+            </a:lvl7pPr>
+            <a:lvl8pPr marL="3200400" algn="l" defTabSz="914400" rtl="0" eaLnBrk="1" latinLnBrk="0" hangingPunct="1">
+              <a:defRPr sz="1800" kern="1200">
+                <a:solidFill>
+                  <a:schemeClr val="lt1"/>
+                </a:solidFill>
+                <a:latin typeface="+mn-lt"/>
+                <a:ea typeface="+mn-ea"/>
+                <a:cs typeface="+mn-cs"/>
+              </a:defRPr>
+            </a:lvl8pPr>
+            <a:lvl9pPr marL="3657600" algn="l" defTabSz="914400" rtl="0" eaLnBrk="1" latinLnBrk="0" hangingPunct="1">
+              <a:defRPr sz="1800" kern="1200">
+                <a:solidFill>
+                  <a:schemeClr val="lt1"/>
+                </a:solidFill>
+                <a:latin typeface="+mn-lt"/>
+                <a:ea typeface="+mn-ea"/>
+                <a:cs typeface="+mn-cs"/>
+              </a:defRPr>
+            </a:lvl9pPr>
+          </a:lstStyle>
+          <a:p>
+            <a:pPr algn="ctr"/>
+            <a:r>
+              <a:rPr lang="en-US" altLang="zh-CN" dirty="0" smtClean="0"/>
+              <a:t>Offline</a:t>
+            </a:r>
+            <a:endParaRPr lang="zh-CN" altLang="en-US" dirty="0"/>
+          </a:p>
+        </p:txBody>
+      </p:sp>
+      <p:sp>
+        <p:nvSpPr>
+          <p:cNvPr id="9" name="圆角矩形 8"/>
+          <p:cNvSpPr/>
+          <p:nvPr/>
+        </p:nvSpPr>
+        <p:spPr>
+          <a:xfrm>
+            <a:off x="4988656" y="1531812"/>
+            <a:ext cx="914400" cy="914400"/>
+          </a:xfrm>
+          <a:prstGeom prst="roundRect">
+            <a:avLst/>
+          </a:prstGeom>
+        </p:spPr>
+        <p:style>
+          <a:lnRef idx="2">
+            <a:schemeClr val="accent1">
+              <a:shade val="50000"/>
+            </a:schemeClr>
+          </a:lnRef>
+          <a:fillRef idx="1">
+            <a:schemeClr val="accent1"/>
+          </a:fillRef>
+          <a:effectRef idx="0">
+            <a:schemeClr val="accent1"/>
+          </a:effectRef>
+          <a:fontRef idx="minor">
+            <a:schemeClr val="lt1"/>
+          </a:fontRef>
+        </p:style>
+        <p:txBody>
+          <a:bodyPr rot="0" spcFirstLastPara="0" vert="horz" wrap="square" lIns="91440" tIns="45720" rIns="91440" bIns="45720" numCol="1" spcCol="0" rtlCol="0" fromWordArt="0" anchor="ctr" anchorCtr="0" forceAA="0" compatLnSpc="1">
+            <a:prstTxWarp prst="textNoShape">
+              <a:avLst/>
+            </a:prstTxWarp>
+            <a:noAutofit/>
+          </a:bodyPr>
+          <a:lstStyle>
+            <a:defPPr>
+              <a:defRPr lang="zh-CN"/>
+            </a:defPPr>
+            <a:lvl1pPr marL="0" algn="l" defTabSz="914400" rtl="0" eaLnBrk="1" latinLnBrk="0" hangingPunct="1">
+              <a:defRPr sz="1800" kern="1200">
+                <a:solidFill>
+                  <a:schemeClr val="lt1"/>
+                </a:solidFill>
+                <a:latin typeface="+mn-lt"/>
+                <a:ea typeface="+mn-ea"/>
+                <a:cs typeface="+mn-cs"/>
+              </a:defRPr>
+            </a:lvl1pPr>
+            <a:lvl2pPr marL="457200" algn="l" defTabSz="914400" rtl="0" eaLnBrk="1" latinLnBrk="0" hangingPunct="1">
+              <a:defRPr sz="1800" kern="1200">
+                <a:solidFill>
+                  <a:schemeClr val="lt1"/>
+                </a:solidFill>
+                <a:latin typeface="+mn-lt"/>
+                <a:ea typeface="+mn-ea"/>
+                <a:cs typeface="+mn-cs"/>
+              </a:defRPr>
+            </a:lvl2pPr>
+            <a:lvl3pPr marL="914400" algn="l" defTabSz="914400" rtl="0" eaLnBrk="1" latinLnBrk="0" hangingPunct="1">
+              <a:defRPr sz="1800" kern="1200">
+                <a:solidFill>
+                  <a:schemeClr val="lt1"/>
+                </a:solidFill>
+                <a:latin typeface="+mn-lt"/>
+                <a:ea typeface="+mn-ea"/>
+                <a:cs typeface="+mn-cs"/>
+              </a:defRPr>
+            </a:lvl3pPr>
+            <a:lvl4pPr marL="1371600" algn="l" defTabSz="914400" rtl="0" eaLnBrk="1" latinLnBrk="0" hangingPunct="1">
+              <a:defRPr sz="1800" kern="1200">
+                <a:solidFill>
+                  <a:schemeClr val="lt1"/>
+                </a:solidFill>
+                <a:latin typeface="+mn-lt"/>
+                <a:ea typeface="+mn-ea"/>
+                <a:cs typeface="+mn-cs"/>
+              </a:defRPr>
+            </a:lvl4pPr>
+            <a:lvl5pPr marL="1828800" algn="l" defTabSz="914400" rtl="0" eaLnBrk="1" latinLnBrk="0" hangingPunct="1">
+              <a:defRPr sz="1800" kern="1200">
+                <a:solidFill>
+                  <a:schemeClr val="lt1"/>
+                </a:solidFill>
+                <a:latin typeface="+mn-lt"/>
+                <a:ea typeface="+mn-ea"/>
+                <a:cs typeface="+mn-cs"/>
+              </a:defRPr>
+            </a:lvl5pPr>
+            <a:lvl6pPr marL="2286000" algn="l" defTabSz="914400" rtl="0" eaLnBrk="1" latinLnBrk="0" hangingPunct="1">
+              <a:defRPr sz="1800" kern="1200">
+                <a:solidFill>
+                  <a:schemeClr val="lt1"/>
+                </a:solidFill>
+                <a:latin typeface="+mn-lt"/>
+                <a:ea typeface="+mn-ea"/>
+                <a:cs typeface="+mn-cs"/>
+              </a:defRPr>
+            </a:lvl6pPr>
+            <a:lvl7pPr marL="2743200" algn="l" defTabSz="914400" rtl="0" eaLnBrk="1" latinLnBrk="0" hangingPunct="1">
+              <a:defRPr sz="1800" kern="1200">
+                <a:solidFill>
+                  <a:schemeClr val="lt1"/>
+                </a:solidFill>
+                <a:latin typeface="+mn-lt"/>
+                <a:ea typeface="+mn-ea"/>
+                <a:cs typeface="+mn-cs"/>
+              </a:defRPr>
+            </a:lvl7pPr>
+            <a:lvl8pPr marL="3200400" algn="l" defTabSz="914400" rtl="0" eaLnBrk="1" latinLnBrk="0" hangingPunct="1">
+              <a:defRPr sz="1800" kern="1200">
+                <a:solidFill>
+                  <a:schemeClr val="lt1"/>
+                </a:solidFill>
+                <a:latin typeface="+mn-lt"/>
+                <a:ea typeface="+mn-ea"/>
+                <a:cs typeface="+mn-cs"/>
+              </a:defRPr>
+            </a:lvl8pPr>
+            <a:lvl9pPr marL="3657600" algn="l" defTabSz="914400" rtl="0" eaLnBrk="1" latinLnBrk="0" hangingPunct="1">
+              <a:defRPr sz="1800" kern="1200">
+                <a:solidFill>
+                  <a:schemeClr val="lt1"/>
+                </a:solidFill>
+                <a:latin typeface="+mn-lt"/>
+                <a:ea typeface="+mn-ea"/>
+                <a:cs typeface="+mn-cs"/>
+              </a:defRPr>
+            </a:lvl9pPr>
+          </a:lstStyle>
+          <a:p>
+            <a:pPr algn="ctr"/>
+            <a:r>
+              <a:rPr lang="zh-CN" altLang="en-US" sz="1600" dirty="0"/>
+              <a:t>小程序</a:t>
+            </a:r>
+            <a:endParaRPr lang="zh-CN" altLang="en-US" sz="1600" dirty="0"/>
+          </a:p>
+        </p:txBody>
+      </p:sp>
+      <p:sp>
+        <p:nvSpPr>
+          <p:cNvPr id="10" name="圆角矩形 9"/>
+          <p:cNvSpPr/>
+          <p:nvPr/>
+        </p:nvSpPr>
+        <p:spPr>
+          <a:xfrm>
+            <a:off x="8573475" y="1531812"/>
+            <a:ext cx="914400" cy="914400"/>
+          </a:xfrm>
+          <a:prstGeom prst="roundRect">
+            <a:avLst/>
+          </a:prstGeom>
+        </p:spPr>
+        <p:style>
+          <a:lnRef idx="2">
+            <a:schemeClr val="accent1">
+              <a:shade val="50000"/>
+            </a:schemeClr>
+          </a:lnRef>
+          <a:fillRef idx="1">
+            <a:schemeClr val="accent1"/>
+          </a:fillRef>
+          <a:effectRef idx="0">
+            <a:schemeClr val="accent1"/>
+          </a:effectRef>
+          <a:fontRef idx="minor">
+            <a:schemeClr val="lt1"/>
+          </a:fontRef>
+        </p:style>
+        <p:txBody>
+          <a:bodyPr rot="0" spcFirstLastPara="0" vert="horz" wrap="square" lIns="91440" tIns="45720" rIns="91440" bIns="45720" numCol="1" spcCol="0" rtlCol="0" fromWordArt="0" anchor="ctr" anchorCtr="0" forceAA="0" compatLnSpc="1">
+            <a:prstTxWarp prst="textNoShape">
+              <a:avLst/>
+            </a:prstTxWarp>
+            <a:noAutofit/>
+          </a:bodyPr>
+          <a:lstStyle>
+            <a:defPPr>
+              <a:defRPr lang="zh-CN"/>
+            </a:defPPr>
+            <a:lvl1pPr marL="0" algn="l" defTabSz="914400" rtl="0" eaLnBrk="1" latinLnBrk="0" hangingPunct="1">
+              <a:defRPr sz="1800" kern="1200">
+                <a:solidFill>
+                  <a:schemeClr val="lt1"/>
+                </a:solidFill>
+                <a:latin typeface="+mn-lt"/>
+                <a:ea typeface="+mn-ea"/>
+                <a:cs typeface="+mn-cs"/>
+              </a:defRPr>
+            </a:lvl1pPr>
+            <a:lvl2pPr marL="457200" algn="l" defTabSz="914400" rtl="0" eaLnBrk="1" latinLnBrk="0" hangingPunct="1">
+              <a:defRPr sz="1800" kern="1200">
+                <a:solidFill>
+                  <a:schemeClr val="lt1"/>
+                </a:solidFill>
+                <a:latin typeface="+mn-lt"/>
+                <a:ea typeface="+mn-ea"/>
+                <a:cs typeface="+mn-cs"/>
+              </a:defRPr>
+            </a:lvl2pPr>
+            <a:lvl3pPr marL="914400" algn="l" defTabSz="914400" rtl="0" eaLnBrk="1" latinLnBrk="0" hangingPunct="1">
+              <a:defRPr sz="1800" kern="1200">
+                <a:solidFill>
+                  <a:schemeClr val="lt1"/>
+                </a:solidFill>
+                <a:latin typeface="+mn-lt"/>
+                <a:ea typeface="+mn-ea"/>
+                <a:cs typeface="+mn-cs"/>
+              </a:defRPr>
+            </a:lvl3pPr>
+            <a:lvl4pPr marL="1371600" algn="l" defTabSz="914400" rtl="0" eaLnBrk="1" latinLnBrk="0" hangingPunct="1">
+              <a:defRPr sz="1800" kern="1200">
+                <a:solidFill>
+                  <a:schemeClr val="lt1"/>
+                </a:solidFill>
+                <a:latin typeface="+mn-lt"/>
+                <a:ea typeface="+mn-ea"/>
+                <a:cs typeface="+mn-cs"/>
+              </a:defRPr>
+            </a:lvl4pPr>
+            <a:lvl5pPr marL="1828800" algn="l" defTabSz="914400" rtl="0" eaLnBrk="1" latinLnBrk="0" hangingPunct="1">
+              <a:defRPr sz="1800" kern="1200">
+                <a:solidFill>
+                  <a:schemeClr val="lt1"/>
+                </a:solidFill>
+                <a:latin typeface="+mn-lt"/>
+                <a:ea typeface="+mn-ea"/>
+                <a:cs typeface="+mn-cs"/>
+              </a:defRPr>
+            </a:lvl5pPr>
+            <a:lvl6pPr marL="2286000" algn="l" defTabSz="914400" rtl="0" eaLnBrk="1" latinLnBrk="0" hangingPunct="1">
+              <a:defRPr sz="1800" kern="1200">
+                <a:solidFill>
+                  <a:schemeClr val="lt1"/>
+                </a:solidFill>
+                <a:latin typeface="+mn-lt"/>
+                <a:ea typeface="+mn-ea"/>
+                <a:cs typeface="+mn-cs"/>
+              </a:defRPr>
+            </a:lvl6pPr>
+            <a:lvl7pPr marL="2743200" algn="l" defTabSz="914400" rtl="0" eaLnBrk="1" latinLnBrk="0" hangingPunct="1">
+              <a:defRPr sz="1800" kern="1200">
+                <a:solidFill>
+                  <a:schemeClr val="lt1"/>
+                </a:solidFill>
+                <a:latin typeface="+mn-lt"/>
+                <a:ea typeface="+mn-ea"/>
+                <a:cs typeface="+mn-cs"/>
+              </a:defRPr>
+            </a:lvl7pPr>
+            <a:lvl8pPr marL="3200400" algn="l" defTabSz="914400" rtl="0" eaLnBrk="1" latinLnBrk="0" hangingPunct="1">
+              <a:defRPr sz="1800" kern="1200">
+                <a:solidFill>
+                  <a:schemeClr val="lt1"/>
+                </a:solidFill>
+                <a:latin typeface="+mn-lt"/>
+                <a:ea typeface="+mn-ea"/>
+                <a:cs typeface="+mn-cs"/>
+              </a:defRPr>
+            </a:lvl8pPr>
+            <a:lvl9pPr marL="3657600" algn="l" defTabSz="914400" rtl="0" eaLnBrk="1" latinLnBrk="0" hangingPunct="1">
+              <a:defRPr sz="1800" kern="1200">
+                <a:solidFill>
+                  <a:schemeClr val="lt1"/>
+                </a:solidFill>
+                <a:latin typeface="+mn-lt"/>
+                <a:ea typeface="+mn-ea"/>
+                <a:cs typeface="+mn-cs"/>
+              </a:defRPr>
+            </a:lvl9pPr>
+          </a:lstStyle>
+          <a:p>
+            <a:pPr algn="ctr"/>
+            <a:r>
+              <a:rPr lang="en-US" altLang="zh-CN" dirty="0" smtClean="0">
+                <a:solidFill>
+                  <a:srgbClr val="FF0000"/>
+                </a:solidFill>
+              </a:rPr>
+              <a:t>C</a:t>
+            </a:r>
+            <a:r>
+              <a:rPr lang="en-US" altLang="zh-CN" dirty="0" smtClean="0"/>
+              <a:t>…</a:t>
+            </a:r>
+            <a:endParaRPr lang="zh-CN" altLang="en-US" dirty="0"/>
+          </a:p>
+        </p:txBody>
+      </p:sp>
+      <p:sp>
+        <p:nvSpPr>
+          <p:cNvPr id="19" name="左大括号 18"/>
+          <p:cNvSpPr/>
+          <p:nvPr/>
+        </p:nvSpPr>
+        <p:spPr>
+          <a:xfrm rot="16200000" flipH="1">
+            <a:off x="5665803" y="-588732"/>
+            <a:ext cx="586148" cy="3326696"/>
+          </a:xfrm>
+          <a:prstGeom prst="leftBrace">
+            <a:avLst/>
+          </a:prstGeom>
+        </p:spPr>
+        <p:style>
+          <a:lnRef idx="3">
+            <a:schemeClr val="accent5"/>
+          </a:lnRef>
+          <a:fillRef idx="0">
+            <a:schemeClr val="accent5"/>
+          </a:fillRef>
+          <a:effectRef idx="2">
+            <a:schemeClr val="accent5"/>
+          </a:effectRef>
+          <a:fontRef idx="minor">
+            <a:schemeClr val="tx1"/>
+          </a:fontRef>
+        </p:style>
+        <p:txBody>
+          <a:bodyPr rtlCol="0" anchor="ctr"/>
+          <a:lstStyle/>
+          <a:p>
+            <a:pPr algn="ctr"/>
+            <a:endParaRPr lang="zh-CN" altLang="en-US"/>
+          </a:p>
+        </p:txBody>
+      </p:sp>
+      <p:sp>
+        <p:nvSpPr>
+          <p:cNvPr id="20" name="单圆角矩形 19"/>
+          <p:cNvSpPr/>
+          <p:nvPr/>
+        </p:nvSpPr>
+        <p:spPr>
+          <a:xfrm>
+            <a:off x="5501677" y="312616"/>
+            <a:ext cx="914400" cy="375138"/>
+          </a:xfrm>
+          <a:prstGeom prst="snipRoundRect">
+            <a:avLst/>
+          </a:prstGeom>
+        </p:spPr>
+        <p:style>
+          <a:lnRef idx="2">
+            <a:schemeClr val="accent5">
+              <a:shade val="50000"/>
+            </a:schemeClr>
+          </a:lnRef>
+          <a:fillRef idx="1">
+            <a:schemeClr val="accent5"/>
+          </a:fillRef>
+          <a:effectRef idx="0">
+            <a:schemeClr val="accent5"/>
+          </a:effectRef>
+          <a:fontRef idx="minor">
+            <a:schemeClr val="lt1"/>
+          </a:fontRef>
+        </p:style>
+        <p:txBody>
+          <a:bodyPr rtlCol="0" anchor="ctr"/>
+          <a:lstStyle/>
+          <a:p>
+            <a:pPr algn="ctr"/>
+            <a:r>
+              <a:rPr lang="en-US" altLang="zh-CN" dirty="0" smtClean="0"/>
+              <a:t>IMVC</a:t>
+            </a:r>
+            <a:endParaRPr lang="zh-CN" altLang="en-US" dirty="0"/>
+          </a:p>
+        </p:txBody>
+      </p:sp>
+      <p:sp>
+        <p:nvSpPr>
+          <p:cNvPr id="21" name="矩形 20"/>
+          <p:cNvSpPr/>
+          <p:nvPr/>
+        </p:nvSpPr>
+        <p:spPr>
+          <a:xfrm>
+            <a:off x="2133598" y="2973752"/>
+            <a:ext cx="8088923" cy="762001"/>
+          </a:xfrm>
+          <a:prstGeom prst="rect">
+            <a:avLst/>
+          </a:prstGeom>
+        </p:spPr>
+        <p:style>
+          <a:lnRef idx="2">
+            <a:schemeClr val="accent4"/>
+          </a:lnRef>
+          <a:fillRef idx="1">
+            <a:schemeClr val="lt1"/>
+          </a:fillRef>
+          <a:effectRef idx="0">
+            <a:schemeClr val="accent4"/>
+          </a:effectRef>
+          <a:fontRef idx="minor">
+            <a:schemeClr val="dk1"/>
+          </a:fontRef>
+        </p:style>
+        <p:txBody>
+          <a:bodyPr rtlCol="0" anchor="ctr"/>
+          <a:lstStyle/>
+          <a:p>
+            <a:pPr algn="ctr"/>
+            <a:endParaRPr lang="zh-CN" altLang="en-US"/>
+          </a:p>
+        </p:txBody>
+      </p:sp>
+      <p:sp>
+        <p:nvSpPr>
+          <p:cNvPr id="24" name="圆角矩形 23"/>
+          <p:cNvSpPr/>
+          <p:nvPr/>
+        </p:nvSpPr>
+        <p:spPr>
+          <a:xfrm>
+            <a:off x="2576360" y="2999150"/>
+            <a:ext cx="3326696" cy="711203"/>
+          </a:xfrm>
+          <a:prstGeom prst="roundRect">
+            <a:avLst/>
+          </a:prstGeom>
+        </p:spPr>
+        <p:style>
+          <a:lnRef idx="1">
+            <a:schemeClr val="accent4"/>
+          </a:lnRef>
+          <a:fillRef idx="2">
+            <a:schemeClr val="accent4"/>
+          </a:fillRef>
+          <a:effectRef idx="1">
+            <a:schemeClr val="accent4"/>
+          </a:effectRef>
+          <a:fontRef idx="minor">
+            <a:schemeClr val="dk1"/>
+          </a:fontRef>
+        </p:style>
+        <p:txBody>
+          <a:bodyPr rtlCol="0" anchor="ctr"/>
+          <a:lstStyle/>
+          <a:p>
+            <a:pPr algn="ctr"/>
+            <a:r>
+              <a:rPr lang="zh-CN" altLang="en-US" dirty="0"/>
+              <a:t>无线</a:t>
+            </a:r>
+            <a:r>
+              <a:rPr lang="en-US" altLang="zh-CN" dirty="0" smtClean="0"/>
+              <a:t> </a:t>
+            </a:r>
+            <a:r>
+              <a:rPr lang="en-US" altLang="zh-CN" dirty="0" err="1" smtClean="0"/>
+              <a:t>GateWay</a:t>
+            </a:r>
+            <a:endParaRPr lang="zh-CN" altLang="en-US" dirty="0"/>
+          </a:p>
+        </p:txBody>
+      </p:sp>
+      <p:sp>
+        <p:nvSpPr>
+          <p:cNvPr id="25" name="圆角矩形 24"/>
+          <p:cNvSpPr/>
+          <p:nvPr/>
+        </p:nvSpPr>
+        <p:spPr>
+          <a:xfrm>
+            <a:off x="6138982" y="2999149"/>
+            <a:ext cx="1012093" cy="711203"/>
+          </a:xfrm>
+          <a:prstGeom prst="roundRect">
+            <a:avLst/>
+          </a:prstGeom>
+        </p:spPr>
+        <p:style>
+          <a:lnRef idx="1">
+            <a:schemeClr val="accent4"/>
+          </a:lnRef>
+          <a:fillRef idx="2">
+            <a:schemeClr val="accent4"/>
+          </a:fillRef>
+          <a:effectRef idx="1">
+            <a:schemeClr val="accent4"/>
+          </a:effectRef>
+          <a:fontRef idx="minor">
+            <a:schemeClr val="dk1"/>
+          </a:fontRef>
+        </p:style>
+        <p:txBody>
+          <a:bodyPr rtlCol="0" anchor="ctr"/>
+          <a:lstStyle/>
+          <a:p>
+            <a:pPr algn="ctr"/>
+            <a:r>
+              <a:rPr lang="en-US" altLang="zh-CN" sz="1600" b="1" dirty="0" smtClean="0"/>
+              <a:t>Online</a:t>
+            </a:r>
+            <a:br>
+              <a:rPr lang="en-US" altLang="zh-CN" sz="1600" b="1" dirty="0" smtClean="0"/>
+            </a:br>
+            <a:r>
+              <a:rPr lang="en-US" altLang="zh-CN" sz="1600" b="1" dirty="0" smtClean="0"/>
+              <a:t>Gateway</a:t>
+            </a:r>
+            <a:endParaRPr lang="zh-CN" altLang="en-US" sz="1600" b="1" dirty="0"/>
+          </a:p>
+        </p:txBody>
+      </p:sp>
+      <p:sp>
+        <p:nvSpPr>
+          <p:cNvPr id="27" name="下箭头 26"/>
+          <p:cNvSpPr/>
+          <p:nvPr/>
+        </p:nvSpPr>
+        <p:spPr>
+          <a:xfrm>
+            <a:off x="6479539" y="2573211"/>
+            <a:ext cx="233288" cy="363414"/>
+          </a:xfrm>
+          <a:prstGeom prst="downArrow">
+            <a:avLst/>
+          </a:prstGeom>
+        </p:spPr>
+        <p:style>
+          <a:lnRef idx="2">
+            <a:schemeClr val="accent1">
+              <a:shade val="50000"/>
+            </a:schemeClr>
+          </a:lnRef>
+          <a:fillRef idx="1">
+            <a:schemeClr val="accent1"/>
+          </a:fillRef>
+          <a:effectRef idx="0">
+            <a:schemeClr val="accent1"/>
+          </a:effectRef>
+          <a:fontRef idx="minor">
+            <a:schemeClr val="lt1"/>
+          </a:fontRef>
+        </p:style>
+        <p:txBody>
+          <a:bodyPr rtlCol="0" anchor="ctr"/>
+          <a:lstStyle/>
+          <a:p>
+            <a:pPr algn="ctr"/>
+            <a:endParaRPr lang="zh-CN" altLang="en-US"/>
+          </a:p>
+        </p:txBody>
+      </p:sp>
+      <p:sp>
+        <p:nvSpPr>
+          <p:cNvPr id="29" name="下箭头 28"/>
+          <p:cNvSpPr/>
+          <p:nvPr/>
+        </p:nvSpPr>
+        <p:spPr>
+          <a:xfrm>
+            <a:off x="3972655" y="2582976"/>
+            <a:ext cx="327271" cy="400542"/>
+          </a:xfrm>
+          <a:prstGeom prst="downArrow">
+            <a:avLst/>
+          </a:prstGeom>
+        </p:spPr>
+        <p:style>
+          <a:lnRef idx="2">
+            <a:schemeClr val="accent1">
+              <a:shade val="50000"/>
+            </a:schemeClr>
+          </a:lnRef>
+          <a:fillRef idx="1">
+            <a:schemeClr val="accent1"/>
+          </a:fillRef>
+          <a:effectRef idx="0">
+            <a:schemeClr val="accent1"/>
+          </a:effectRef>
+          <a:fontRef idx="minor">
+            <a:schemeClr val="lt1"/>
+          </a:fontRef>
+        </p:style>
+        <p:txBody>
+          <a:bodyPr rtlCol="0" anchor="ctr"/>
+          <a:lstStyle/>
+          <a:p>
+            <a:pPr algn="ctr"/>
+            <a:endParaRPr lang="zh-CN" altLang="en-US"/>
+          </a:p>
+        </p:txBody>
+      </p:sp>
+      <p:sp>
+        <p:nvSpPr>
+          <p:cNvPr id="31" name="圆角矩形 30"/>
+          <p:cNvSpPr/>
+          <p:nvPr/>
+        </p:nvSpPr>
+        <p:spPr>
+          <a:xfrm>
+            <a:off x="2133598" y="4224214"/>
+            <a:ext cx="5040925" cy="937846"/>
+          </a:xfrm>
+          <a:prstGeom prst="roundRect">
+            <a:avLst/>
+          </a:prstGeom>
+          <a:solidFill>
+            <a:schemeClr val="accent2"/>
+          </a:solidFill>
+          <a:ln>
+            <a:noFill/>
+          </a:ln>
+        </p:spPr>
+        <p:style>
+          <a:lnRef idx="0">
+            <a:scrgbClr r="0" g="0" b="0"/>
+          </a:lnRef>
+          <a:fillRef idx="0">
+            <a:scrgbClr r="0" g="0" b="0"/>
+          </a:fillRef>
+          <a:effectRef idx="0">
+            <a:scrgbClr r="0" g="0" b="0"/>
+          </a:effectRef>
+          <a:fontRef idx="minor">
+            <a:schemeClr val="lt1"/>
+          </a:fontRef>
+        </p:style>
+        <p:txBody>
+          <a:bodyPr rtlCol="0" anchor="ctr"/>
+          <a:lstStyle/>
+          <a:p>
+            <a:pPr algn="ctr"/>
+            <a:r>
+              <a:rPr lang="en-US" altLang="zh-CN" dirty="0" smtClean="0"/>
+              <a:t>C</a:t>
+            </a:r>
+            <a:r>
+              <a:rPr lang="zh-CN" altLang="en-US" dirty="0" smtClean="0"/>
+              <a:t>端服务</a:t>
+            </a:r>
+            <a:r>
+              <a:rPr lang="en-US" altLang="zh-CN" dirty="0" smtClean="0"/>
+              <a:t>(</a:t>
+            </a:r>
+            <a:r>
+              <a:rPr lang="zh-CN" altLang="en-US" dirty="0" smtClean="0"/>
+              <a:t>无线</a:t>
+            </a:r>
+            <a:r>
+              <a:rPr lang="en-US" altLang="zh-CN" dirty="0" smtClean="0"/>
+              <a:t>/PC/Offline…)</a:t>
+            </a:r>
+            <a:endParaRPr lang="zh-CN" altLang="en-US" dirty="0"/>
+          </a:p>
+        </p:txBody>
+      </p:sp>
+      <p:sp>
+        <p:nvSpPr>
+          <p:cNvPr id="32" name="圆角矩形 31"/>
+          <p:cNvSpPr/>
+          <p:nvPr/>
+        </p:nvSpPr>
+        <p:spPr>
+          <a:xfrm>
+            <a:off x="7541991" y="4224214"/>
+            <a:ext cx="1187647" cy="914400"/>
+          </a:xfrm>
+          <a:prstGeom prst="roundRect">
+            <a:avLst/>
+          </a:prstGeom>
+          <a:solidFill>
+            <a:schemeClr val="accent2"/>
+          </a:solidFill>
+          <a:ln>
+            <a:noFill/>
+          </a:ln>
+        </p:spPr>
+        <p:style>
+          <a:lnRef idx="0">
+            <a:scrgbClr r="0" g="0" b="0"/>
+          </a:lnRef>
+          <a:fillRef idx="0">
+            <a:scrgbClr r="0" g="0" b="0"/>
+          </a:fillRef>
+          <a:effectRef idx="0">
+            <a:scrgbClr r="0" g="0" b="0"/>
+          </a:effectRef>
+          <a:fontRef idx="minor">
+            <a:schemeClr val="lt1"/>
+          </a:fontRef>
+        </p:style>
+        <p:txBody>
+          <a:bodyPr rtlCol="0" anchor="ctr"/>
+          <a:lstStyle/>
+          <a:p>
+            <a:pPr algn="ctr"/>
+            <a:r>
+              <a:rPr lang="zh-CN" altLang="en-US" dirty="0"/>
+              <a:t>引擎</a:t>
+            </a:r>
+          </a:p>
+        </p:txBody>
+      </p:sp>
+      <p:sp>
+        <p:nvSpPr>
+          <p:cNvPr id="34" name="圆角矩形 33"/>
+          <p:cNvSpPr/>
+          <p:nvPr/>
+        </p:nvSpPr>
+        <p:spPr>
+          <a:xfrm>
+            <a:off x="9030675" y="4235937"/>
+            <a:ext cx="1250461" cy="914400"/>
+          </a:xfrm>
+          <a:prstGeom prst="roundRect">
+            <a:avLst/>
+          </a:prstGeom>
+          <a:solidFill>
+            <a:schemeClr val="accent2"/>
+          </a:solidFill>
+          <a:ln>
+            <a:noFill/>
+          </a:ln>
+        </p:spPr>
+        <p:style>
+          <a:lnRef idx="0">
+            <a:scrgbClr r="0" g="0" b="0"/>
+          </a:lnRef>
+          <a:fillRef idx="0">
+            <a:scrgbClr r="0" g="0" b="0"/>
+          </a:fillRef>
+          <a:effectRef idx="0">
+            <a:scrgbClr r="0" g="0" b="0"/>
+          </a:effectRef>
+          <a:fontRef idx="minor">
+            <a:schemeClr val="lt1"/>
+          </a:fontRef>
+        </p:style>
+        <p:txBody>
+          <a:bodyPr rtlCol="0" anchor="ctr"/>
+          <a:lstStyle/>
+          <a:p>
+            <a:pPr algn="ctr"/>
+            <a:r>
+              <a:rPr lang="zh-CN" altLang="en-US" sz="1400" dirty="0" smtClean="0"/>
+              <a:t>逻辑简单</a:t>
+            </a:r>
+            <a:r>
+              <a:rPr lang="en-US" altLang="zh-CN" sz="1400" dirty="0" smtClean="0"/>
+              <a:t>…</a:t>
+            </a:r>
+            <a:endParaRPr lang="zh-CN" altLang="en-US" sz="1400" dirty="0"/>
+          </a:p>
+        </p:txBody>
+      </p:sp>
+      <p:sp>
+        <p:nvSpPr>
+          <p:cNvPr id="35" name="圆角矩形 34"/>
+          <p:cNvSpPr/>
+          <p:nvPr/>
+        </p:nvSpPr>
+        <p:spPr>
+          <a:xfrm>
+            <a:off x="2133598" y="5509847"/>
+            <a:ext cx="517770" cy="914400"/>
+          </a:xfrm>
+          <a:prstGeom prst="roundRect">
+            <a:avLst/>
+          </a:prstGeom>
+        </p:spPr>
+        <p:style>
+          <a:lnRef idx="2">
+            <a:schemeClr val="accent4">
+              <a:shade val="50000"/>
+            </a:schemeClr>
+          </a:lnRef>
+          <a:fillRef idx="1">
+            <a:schemeClr val="accent4"/>
+          </a:fillRef>
+          <a:effectRef idx="0">
+            <a:schemeClr val="accent4"/>
+          </a:effectRef>
+          <a:fontRef idx="minor">
+            <a:schemeClr val="lt1"/>
+          </a:fontRef>
+        </p:style>
+        <p:txBody>
+          <a:bodyPr rtlCol="0" anchor="ctr"/>
+          <a:lstStyle/>
+          <a:p>
+            <a:pPr algn="ctr"/>
+            <a:r>
+              <a:rPr lang="zh-CN" altLang="en-US" dirty="0"/>
+              <a:t>产品</a:t>
+            </a:r>
+          </a:p>
+        </p:txBody>
+      </p:sp>
+      <p:sp>
+        <p:nvSpPr>
+          <p:cNvPr id="37" name="圆角矩形 36"/>
+          <p:cNvSpPr/>
+          <p:nvPr/>
+        </p:nvSpPr>
+        <p:spPr>
+          <a:xfrm>
+            <a:off x="2864338" y="5509847"/>
+            <a:ext cx="517770" cy="914400"/>
+          </a:xfrm>
+          <a:prstGeom prst="roundRect">
+            <a:avLst/>
+          </a:prstGeom>
+        </p:spPr>
+        <p:style>
+          <a:lnRef idx="2">
+            <a:schemeClr val="accent4">
+              <a:shade val="50000"/>
+            </a:schemeClr>
+          </a:lnRef>
+          <a:fillRef idx="1">
+            <a:schemeClr val="accent4"/>
+          </a:fillRef>
+          <a:effectRef idx="0">
+            <a:schemeClr val="accent4"/>
+          </a:effectRef>
+          <a:fontRef idx="minor">
+            <a:schemeClr val="lt1"/>
+          </a:fontRef>
+        </p:style>
+        <p:txBody>
+          <a:bodyPr rtlCol="0" anchor="ctr"/>
+          <a:lstStyle/>
+          <a:p>
+            <a:pPr algn="ctr"/>
+            <a:r>
+              <a:rPr lang="zh-CN" altLang="en-US" dirty="0" smtClean="0"/>
+              <a:t>订单</a:t>
+            </a:r>
+            <a:endParaRPr lang="zh-CN" altLang="en-US" dirty="0"/>
+          </a:p>
+        </p:txBody>
+      </p:sp>
+      <p:sp>
+        <p:nvSpPr>
+          <p:cNvPr id="38" name="圆角矩形 37"/>
+          <p:cNvSpPr/>
+          <p:nvPr/>
+        </p:nvSpPr>
+        <p:spPr>
+          <a:xfrm>
+            <a:off x="3624879" y="5509847"/>
+            <a:ext cx="517770" cy="914400"/>
+          </a:xfrm>
+          <a:prstGeom prst="roundRect">
+            <a:avLst/>
+          </a:prstGeom>
+        </p:spPr>
+        <p:style>
+          <a:lnRef idx="2">
+            <a:schemeClr val="accent4">
+              <a:shade val="50000"/>
+            </a:schemeClr>
+          </a:lnRef>
+          <a:fillRef idx="1">
+            <a:schemeClr val="accent4"/>
+          </a:fillRef>
+          <a:effectRef idx="0">
+            <a:schemeClr val="accent4"/>
+          </a:effectRef>
+          <a:fontRef idx="minor">
+            <a:schemeClr val="lt1"/>
+          </a:fontRef>
+        </p:style>
+        <p:txBody>
+          <a:bodyPr rtlCol="0" anchor="ctr"/>
+          <a:lstStyle/>
+          <a:p>
+            <a:pPr algn="ctr"/>
+            <a:r>
+              <a:rPr lang="zh-CN" altLang="en-US" dirty="0" smtClean="0"/>
+              <a:t>攻略</a:t>
+            </a:r>
+            <a:endParaRPr lang="zh-CN" altLang="en-US" dirty="0"/>
+          </a:p>
+        </p:txBody>
+      </p:sp>
+      <p:sp>
+        <p:nvSpPr>
+          <p:cNvPr id="39" name="圆角矩形 38"/>
+          <p:cNvSpPr/>
+          <p:nvPr/>
+        </p:nvSpPr>
+        <p:spPr>
+          <a:xfrm>
+            <a:off x="4375156" y="5509847"/>
+            <a:ext cx="517770" cy="914400"/>
+          </a:xfrm>
+          <a:prstGeom prst="roundRect">
+            <a:avLst/>
+          </a:prstGeom>
+        </p:spPr>
+        <p:style>
+          <a:lnRef idx="2">
+            <a:schemeClr val="accent4">
+              <a:shade val="50000"/>
+            </a:schemeClr>
+          </a:lnRef>
+          <a:fillRef idx="1">
+            <a:schemeClr val="accent4"/>
+          </a:fillRef>
+          <a:effectRef idx="0">
+            <a:schemeClr val="accent4"/>
+          </a:effectRef>
+          <a:fontRef idx="minor">
+            <a:schemeClr val="lt1"/>
+          </a:fontRef>
+        </p:style>
+        <p:txBody>
+          <a:bodyPr rtlCol="0" anchor="ctr"/>
+          <a:lstStyle/>
+          <a:p>
+            <a:pPr algn="ctr"/>
+            <a:r>
+              <a:rPr lang="zh-CN" altLang="en-US" dirty="0" smtClean="0"/>
+              <a:t>公共</a:t>
+            </a:r>
+            <a:endParaRPr lang="zh-CN" altLang="en-US" dirty="0"/>
+          </a:p>
+        </p:txBody>
+      </p:sp>
+      <p:sp>
+        <p:nvSpPr>
+          <p:cNvPr id="40" name="圆角矩形 39"/>
+          <p:cNvSpPr/>
+          <p:nvPr/>
+        </p:nvSpPr>
+        <p:spPr>
+          <a:xfrm>
+            <a:off x="5163026" y="5502031"/>
+            <a:ext cx="517770" cy="914400"/>
+          </a:xfrm>
+          <a:prstGeom prst="roundRect">
+            <a:avLst/>
+          </a:prstGeom>
+        </p:spPr>
+        <p:style>
+          <a:lnRef idx="2">
+            <a:schemeClr val="accent4">
+              <a:shade val="50000"/>
+            </a:schemeClr>
+          </a:lnRef>
+          <a:fillRef idx="1">
+            <a:schemeClr val="accent4"/>
+          </a:fillRef>
+          <a:effectRef idx="0">
+            <a:schemeClr val="accent4"/>
+          </a:effectRef>
+          <a:fontRef idx="minor">
+            <a:schemeClr val="lt1"/>
+          </a:fontRef>
+        </p:style>
+        <p:txBody>
+          <a:bodyPr rtlCol="0" anchor="ctr"/>
+          <a:lstStyle/>
+          <a:p>
+            <a:pPr algn="ctr"/>
+            <a:r>
+              <a:rPr lang="en-US" altLang="zh-CN" dirty="0" smtClean="0"/>
+              <a:t>BI</a:t>
+            </a:r>
+            <a:endParaRPr lang="zh-CN" altLang="en-US" dirty="0"/>
+          </a:p>
+        </p:txBody>
+      </p:sp>
+      <p:sp>
+        <p:nvSpPr>
+          <p:cNvPr id="41" name="圆角矩形 40"/>
+          <p:cNvSpPr/>
+          <p:nvPr/>
+        </p:nvSpPr>
+        <p:spPr>
+          <a:xfrm>
+            <a:off x="5875214" y="5509847"/>
+            <a:ext cx="517770" cy="914400"/>
+          </a:xfrm>
+          <a:prstGeom prst="roundRect">
+            <a:avLst/>
+          </a:prstGeom>
+        </p:spPr>
+        <p:style>
+          <a:lnRef idx="2">
+            <a:schemeClr val="accent4">
+              <a:shade val="50000"/>
+            </a:schemeClr>
+          </a:lnRef>
+          <a:fillRef idx="1">
+            <a:schemeClr val="accent4"/>
+          </a:fillRef>
+          <a:effectRef idx="0">
+            <a:schemeClr val="accent4"/>
+          </a:effectRef>
+          <a:fontRef idx="minor">
+            <a:schemeClr val="lt1"/>
+          </a:fontRef>
+        </p:style>
+        <p:txBody>
+          <a:bodyPr rtlCol="0" anchor="ctr"/>
+          <a:lstStyle/>
+          <a:p>
+            <a:pPr algn="ctr"/>
+            <a:r>
+              <a:rPr lang="zh-CN" altLang="en-US" sz="1200" dirty="0" smtClean="0"/>
+              <a:t>基础数据</a:t>
+            </a:r>
+            <a:endParaRPr lang="zh-CN" altLang="en-US" sz="1200" dirty="0"/>
+          </a:p>
+        </p:txBody>
+      </p:sp>
+      <p:sp>
+        <p:nvSpPr>
+          <p:cNvPr id="42" name="圆角矩形 41"/>
+          <p:cNvSpPr/>
+          <p:nvPr/>
+        </p:nvSpPr>
+        <p:spPr>
+          <a:xfrm>
+            <a:off x="6645028" y="5509847"/>
+            <a:ext cx="517770" cy="914400"/>
+          </a:xfrm>
+          <a:prstGeom prst="roundRect">
+            <a:avLst/>
+          </a:prstGeom>
+        </p:spPr>
+        <p:style>
+          <a:lnRef idx="2">
+            <a:schemeClr val="accent4">
+              <a:shade val="50000"/>
+            </a:schemeClr>
+          </a:lnRef>
+          <a:fillRef idx="1">
+            <a:schemeClr val="accent4"/>
+          </a:fillRef>
+          <a:effectRef idx="0">
+            <a:schemeClr val="accent4"/>
+          </a:effectRef>
+          <a:fontRef idx="minor">
+            <a:schemeClr val="lt1"/>
+          </a:fontRef>
+        </p:style>
+        <p:txBody>
+          <a:bodyPr rtlCol="0" anchor="ctr"/>
+          <a:lstStyle/>
+          <a:p>
+            <a:pPr algn="ctr"/>
+            <a:r>
+              <a:rPr lang="en-US" altLang="zh-CN" sz="1200" dirty="0" smtClean="0"/>
+              <a:t>……</a:t>
+            </a:r>
+            <a:endParaRPr lang="zh-CN" altLang="en-US" sz="1200" dirty="0"/>
+          </a:p>
+        </p:txBody>
+      </p:sp>
+      <p:sp>
+        <p:nvSpPr>
+          <p:cNvPr id="44" name="左大括号 43"/>
+          <p:cNvSpPr/>
+          <p:nvPr/>
+        </p:nvSpPr>
+        <p:spPr>
+          <a:xfrm rot="5400000">
+            <a:off x="6003037" y="-34044"/>
+            <a:ext cx="324639" cy="8114327"/>
+          </a:xfrm>
+          <a:prstGeom prst="leftBrace">
+            <a:avLst>
+              <a:gd name="adj1" fmla="val 8333"/>
+              <a:gd name="adj2" fmla="val 50482"/>
+            </a:avLst>
+          </a:prstGeom>
+        </p:spPr>
+        <p:style>
+          <a:lnRef idx="3">
+            <a:schemeClr val="accent2"/>
+          </a:lnRef>
+          <a:fillRef idx="0">
+            <a:schemeClr val="accent2"/>
+          </a:fillRef>
+          <a:effectRef idx="2">
+            <a:schemeClr val="accent2"/>
+          </a:effectRef>
+          <a:fontRef idx="minor">
+            <a:schemeClr val="tx1"/>
+          </a:fontRef>
+        </p:style>
+        <p:txBody>
+          <a:bodyPr rtlCol="0" anchor="ctr"/>
+          <a:lstStyle/>
+          <a:p>
+            <a:pPr algn="ctr"/>
+            <a:endParaRPr lang="zh-CN" altLang="en-US"/>
+          </a:p>
+        </p:txBody>
+      </p:sp>
+      <p:sp>
+        <p:nvSpPr>
+          <p:cNvPr id="47" name="下箭头 46"/>
+          <p:cNvSpPr/>
+          <p:nvPr/>
+        </p:nvSpPr>
+        <p:spPr>
+          <a:xfrm>
+            <a:off x="7708119" y="2571258"/>
+            <a:ext cx="233288" cy="402487"/>
+          </a:xfrm>
+          <a:prstGeom prst="downArrow">
+            <a:avLst/>
+          </a:prstGeom>
+        </p:spPr>
+        <p:style>
+          <a:lnRef idx="2">
+            <a:schemeClr val="accent1">
+              <a:shade val="50000"/>
+            </a:schemeClr>
+          </a:lnRef>
+          <a:fillRef idx="1">
+            <a:schemeClr val="accent1"/>
+          </a:fillRef>
+          <a:effectRef idx="0">
+            <a:schemeClr val="accent1"/>
+          </a:effectRef>
+          <a:fontRef idx="minor">
+            <a:schemeClr val="lt1"/>
+          </a:fontRef>
+        </p:style>
+        <p:txBody>
+          <a:bodyPr rtlCol="0" anchor="ctr"/>
+          <a:lstStyle/>
+          <a:p>
+            <a:pPr algn="ctr"/>
+            <a:endParaRPr lang="zh-CN" altLang="en-US"/>
+          </a:p>
+        </p:txBody>
+      </p:sp>
+      <p:sp>
+        <p:nvSpPr>
+          <p:cNvPr id="48" name="圆角矩形 47"/>
+          <p:cNvSpPr/>
+          <p:nvPr/>
+        </p:nvSpPr>
+        <p:spPr>
+          <a:xfrm>
+            <a:off x="7346214" y="3005004"/>
+            <a:ext cx="1012093" cy="711203"/>
+          </a:xfrm>
+          <a:prstGeom prst="roundRect">
+            <a:avLst/>
+          </a:prstGeom>
+        </p:spPr>
+        <p:style>
+          <a:lnRef idx="1">
+            <a:schemeClr val="accent4"/>
+          </a:lnRef>
+          <a:fillRef idx="2">
+            <a:schemeClr val="accent4"/>
+          </a:fillRef>
+          <a:effectRef idx="1">
+            <a:schemeClr val="accent4"/>
+          </a:effectRef>
+          <a:fontRef idx="minor">
+            <a:schemeClr val="dk1"/>
+          </a:fontRef>
+        </p:style>
+        <p:txBody>
+          <a:bodyPr rtlCol="0" anchor="ctr"/>
+          <a:lstStyle/>
+          <a:p>
+            <a:pPr algn="ctr"/>
+            <a:r>
+              <a:rPr lang="en-US" altLang="zh-CN" sz="1600" b="1" dirty="0" smtClean="0"/>
+              <a:t>Offline</a:t>
+            </a:r>
+            <a:br>
+              <a:rPr lang="en-US" altLang="zh-CN" sz="1600" b="1" dirty="0" smtClean="0"/>
+            </a:br>
+            <a:r>
+              <a:rPr lang="en-US" altLang="zh-CN" sz="1600" b="1" dirty="0" smtClean="0"/>
+              <a:t>Gateway</a:t>
+            </a:r>
+            <a:endParaRPr lang="zh-CN" altLang="en-US" sz="1600" b="1" dirty="0"/>
+          </a:p>
+        </p:txBody>
+      </p:sp>
+      <p:sp>
+        <p:nvSpPr>
+          <p:cNvPr id="50" name="文本框 49"/>
+          <p:cNvSpPr txBox="1"/>
+          <p:nvPr/>
+        </p:nvSpPr>
+        <p:spPr>
+          <a:xfrm>
+            <a:off x="1084090" y="1768733"/>
+            <a:ext cx="1022909" cy="523220"/>
+          </a:xfrm>
+          <a:prstGeom prst="rect">
+            <a:avLst/>
+          </a:prstGeom>
+          <a:noFill/>
+        </p:spPr>
+        <p:txBody>
+          <a:bodyPr wrap="none" rtlCol="0">
+            <a:spAutoFit/>
+          </a:bodyPr>
+          <a:lstStyle/>
+          <a:p>
+            <a:r>
+              <a:rPr lang="en-US" altLang="zh-CN" sz="2800" dirty="0" smtClean="0"/>
+              <a:t>Client</a:t>
+            </a:r>
+            <a:endParaRPr lang="zh-CN" altLang="en-US" sz="2800" dirty="0"/>
+          </a:p>
+        </p:txBody>
+      </p:sp>
+      <p:sp>
+        <p:nvSpPr>
+          <p:cNvPr id="52" name="文本框 51"/>
+          <p:cNvSpPr txBox="1"/>
+          <p:nvPr/>
+        </p:nvSpPr>
+        <p:spPr>
+          <a:xfrm>
+            <a:off x="682944" y="3037843"/>
+            <a:ext cx="1450654" cy="523220"/>
+          </a:xfrm>
+          <a:prstGeom prst="rect">
+            <a:avLst/>
+          </a:prstGeom>
+          <a:noFill/>
+        </p:spPr>
+        <p:txBody>
+          <a:bodyPr wrap="none" rtlCol="0">
+            <a:spAutoFit/>
+          </a:bodyPr>
+          <a:lstStyle/>
+          <a:p>
+            <a:r>
+              <a:rPr lang="en-US" altLang="zh-CN" sz="2800" dirty="0" smtClean="0"/>
+              <a:t>Gateway</a:t>
+            </a:r>
+            <a:endParaRPr lang="zh-CN" altLang="en-US" sz="2800" dirty="0"/>
+          </a:p>
+        </p:txBody>
+      </p:sp>
+      <p:sp>
+        <p:nvSpPr>
+          <p:cNvPr id="53" name="文本框 52"/>
+          <p:cNvSpPr txBox="1"/>
+          <p:nvPr/>
+        </p:nvSpPr>
+        <p:spPr>
+          <a:xfrm>
+            <a:off x="1014649" y="4284183"/>
+            <a:ext cx="1092350" cy="707886"/>
+          </a:xfrm>
+          <a:prstGeom prst="rect">
+            <a:avLst/>
+          </a:prstGeom>
+          <a:noFill/>
+        </p:spPr>
+        <p:txBody>
+          <a:bodyPr wrap="none" rtlCol="0">
+            <a:spAutoFit/>
+          </a:bodyPr>
+          <a:lstStyle/>
+          <a:p>
+            <a:r>
+              <a:rPr lang="en-US" altLang="zh-CN" sz="2000" dirty="0" smtClean="0"/>
+              <a:t>    SOA</a:t>
+            </a:r>
+            <a:br>
+              <a:rPr lang="en-US" altLang="zh-CN" sz="2000" dirty="0" smtClean="0"/>
+            </a:br>
+            <a:r>
+              <a:rPr lang="en-US" altLang="zh-CN" sz="2000" dirty="0"/>
+              <a:t>Gateway</a:t>
+            </a:r>
+            <a:endParaRPr lang="zh-CN" altLang="en-US" sz="2000" dirty="0"/>
+          </a:p>
+        </p:txBody>
+      </p:sp>
+      <p:sp>
+        <p:nvSpPr>
+          <p:cNvPr id="54" name="文本框 53"/>
+          <p:cNvSpPr txBox="1"/>
+          <p:nvPr/>
+        </p:nvSpPr>
+        <p:spPr>
+          <a:xfrm>
+            <a:off x="1227188" y="5705437"/>
+            <a:ext cx="668773" cy="523220"/>
+          </a:xfrm>
+          <a:prstGeom prst="rect">
+            <a:avLst/>
+          </a:prstGeom>
+          <a:noFill/>
+        </p:spPr>
+        <p:txBody>
+          <a:bodyPr wrap="none" rtlCol="0">
+            <a:spAutoFit/>
+          </a:bodyPr>
+          <a:lstStyle/>
+          <a:p>
+            <a:r>
+              <a:rPr lang="en-US" altLang="zh-CN" sz="2800" dirty="0" smtClean="0"/>
+              <a:t>API</a:t>
+            </a:r>
+            <a:endParaRPr lang="zh-CN" altLang="en-US" sz="2800" dirty="0"/>
+          </a:p>
+        </p:txBody>
+      </p:sp>
+    </p:spTree>
+    <p:extLst>
+      <p:ext uri="{BB962C8B-B14F-4D97-AF65-F5344CB8AC3E}">
+        <p14:creationId xmlns:p14="http://schemas.microsoft.com/office/powerpoint/2010/main" val="1946067855"/>
+      </p:ext>
+    </p:extLst>
+  </p:cSld>
+  <p:clrMapOvr>
+    <a:masterClrMapping/>
+  </p:clrMapOvr>
+  <p:timing>
+    <p:tnLst>
+      <p:par>
+        <p:cTn id="1" dur="indefinite" restart="never" nodeType="tmRoot"/>
+      </p:par>
+    </p:tnLst>
+  </p:timing>
+</p:sld>
+</file>
+
+<file path=ppt/slides/slide3.xml><?xml version="1.0" encoding="utf-8"?>
+<p:sld xmlns:a="http://schemas.openxmlformats.org/drawingml/2006/main" xmlns:r="http://schemas.openxmlformats.org/officeDocument/2006/relationships" xmlns:p="http://schemas.openxmlformats.org/presentationml/2006/main">
+  <p:cSld>
+    <p:spTree>
+      <p:nvGrpSpPr>
+        <p:cNvPr id="1" name=""/>
+        <p:cNvGrpSpPr/>
+        <p:nvPr/>
+      </p:nvGrpSpPr>
+      <p:grpSpPr>
+        <a:xfrm>
+          <a:off x="0" y="0"/>
+          <a:ext cx="0" cy="0"/>
+          <a:chOff x="0" y="0"/>
+          <a:chExt cx="0" cy="0"/>
+        </a:xfrm>
+      </p:grpSpPr>
+      <p:sp>
+        <p:nvSpPr>
+          <p:cNvPr id="2" name="标题 1"/>
+          <p:cNvSpPr>
+            <a:spLocks noGrp="1"/>
+          </p:cNvSpPr>
+          <p:nvPr>
+            <p:ph type="title"/>
+          </p:nvPr>
+        </p:nvSpPr>
+        <p:spPr/>
+        <p:txBody>
+          <a:bodyPr/>
+          <a:lstStyle/>
+          <a:p>
+            <a:endParaRPr lang="zh-CN" altLang="en-US"/>
+          </a:p>
+        </p:txBody>
+      </p:sp>
+      <p:sp>
+        <p:nvSpPr>
+          <p:cNvPr id="3" name="内容占位符 2"/>
+          <p:cNvSpPr>
+            <a:spLocks noGrp="1"/>
+          </p:cNvSpPr>
+          <p:nvPr>
+            <p:ph idx="1"/>
+          </p:nvPr>
+        </p:nvSpPr>
+        <p:spPr/>
+        <p:txBody>
+          <a:bodyPr/>
+          <a:lstStyle/>
+          <a:p>
+            <a:endParaRPr lang="zh-CN" altLang="en-US"/>
+          </a:p>
+        </p:txBody>
+      </p:sp>
+    </p:spTree>
+    <p:extLst>
+      <p:ext uri="{BB962C8B-B14F-4D97-AF65-F5344CB8AC3E}">
+        <p14:creationId xmlns:p14="http://schemas.microsoft.com/office/powerpoint/2010/main" val="1379467473"/>
+      </p:ext>
+    </p:extLst>
+  </p:cSld>
+  <p:clrMapOvr>
+    <a:masterClrMapping/>
+  </p:clrMapOvr>
+  <p:timing>
+    <p:tnLst>
+      <p:par>
+        <p:cTn id="1" dur="indefinite" restart="never" nodeType="tmRoot"/>
+      </p:par>
+    </p:tnLst>
+  </p:timing>
+</p:sld>
+</file>
+
+<file path=ppt/slides/slide4.xml><?xml version="1.0" encoding="utf-8"?>
+<p:sld xmlns:a="http://schemas.openxmlformats.org/drawingml/2006/main" xmlns:r="http://schemas.openxmlformats.org/officeDocument/2006/relationships" xmlns:p="http://schemas.openxmlformats.org/presentationml/2006/main">
+  <p:cSld>
+    <p:spTree>
+      <p:nvGrpSpPr>
+        <p:cNvPr id="1" name=""/>
+        <p:cNvGrpSpPr/>
+        <p:nvPr/>
+      </p:nvGrpSpPr>
+      <p:grpSpPr>
+        <a:xfrm>
+          <a:off x="0" y="0"/>
+          <a:ext cx="0" cy="0"/>
+          <a:chOff x="0" y="0"/>
+          <a:chExt cx="0" cy="0"/>
+        </a:xfrm>
+      </p:grpSpPr>
+      <p:sp>
+        <p:nvSpPr>
+          <p:cNvPr id="2" name="标题 1"/>
+          <p:cNvSpPr>
+            <a:spLocks noGrp="1"/>
+          </p:cNvSpPr>
+          <p:nvPr>
+            <p:ph type="title"/>
+          </p:nvPr>
+        </p:nvSpPr>
+        <p:spPr/>
+        <p:txBody>
+          <a:bodyPr/>
+          <a:lstStyle/>
+          <a:p>
+            <a:endParaRPr lang="zh-CN" altLang="en-US"/>
+          </a:p>
+        </p:txBody>
+      </p:sp>
+      <p:sp>
+        <p:nvSpPr>
+          <p:cNvPr id="3" name="内容占位符 2"/>
+          <p:cNvSpPr>
+            <a:spLocks noGrp="1"/>
+          </p:cNvSpPr>
+          <p:nvPr>
+            <p:ph idx="1"/>
+          </p:nvPr>
+        </p:nvSpPr>
+        <p:spPr/>
+        <p:txBody>
+          <a:bodyPr/>
+          <a:lstStyle/>
+          <a:p>
+            <a:endParaRPr lang="zh-CN" altLang="en-US"/>
+          </a:p>
+        </p:txBody>
+      </p:sp>
+    </p:spTree>
+    <p:extLst>
+      <p:ext uri="{BB962C8B-B14F-4D97-AF65-F5344CB8AC3E}">
+        <p14:creationId xmlns:p14="http://schemas.microsoft.com/office/powerpoint/2010/main" val="1527028892"/>
+      </p:ext>
+    </p:extLst>
+  </p:cSld>
+  <p:clrMapOvr>
+    <a:masterClrMapping/>
+  </p:clrMapOvr>
+  <p:timing>
+    <p:tnLst>
+      <p:par>
+        <p:cTn id="1" dur="indefinite" restart="never" nodeType="tmRoot"/>
+      </p:par>
+    </p:tnLst>
+  </p:timing>
+</p:sld>
+</file>
+
+<file path=ppt/slides/slide5.xml><?xml version="1.0" encoding="utf-8"?>
+<p:sld xmlns:a="http://schemas.openxmlformats.org/drawingml/2006/main" xmlns:r="http://schemas.openxmlformats.org/officeDocument/2006/relationships" xmlns:p="http://schemas.openxmlformats.org/presentationml/2006/main">
+  <p:cSld>
+    <p:spTree>
+      <p:nvGrpSpPr>
+        <p:cNvPr id="1" name=""/>
+        <p:cNvGrpSpPr/>
+        <p:nvPr/>
+      </p:nvGrpSpPr>
+      <p:grpSpPr>
+        <a:xfrm>
+          <a:off x="0" y="0"/>
+          <a:ext cx="0" cy="0"/>
+          <a:chOff x="0" y="0"/>
+          <a:chExt cx="0" cy="0"/>
+        </a:xfrm>
+      </p:grpSpPr>
+      <p:sp>
+        <p:nvSpPr>
+          <p:cNvPr id="2" name="标题 1"/>
+          <p:cNvSpPr>
+            <a:spLocks noGrp="1"/>
+          </p:cNvSpPr>
+          <p:nvPr>
+            <p:ph type="title"/>
+          </p:nvPr>
+        </p:nvSpPr>
+        <p:spPr/>
+        <p:txBody>
+          <a:bodyPr/>
+          <a:lstStyle/>
+          <a:p>
+            <a:endParaRPr lang="zh-CN" altLang="en-US"/>
+          </a:p>
+        </p:txBody>
+      </p:sp>
+      <p:sp>
+        <p:nvSpPr>
+          <p:cNvPr id="3" name="内容占位符 2"/>
+          <p:cNvSpPr>
+            <a:spLocks noGrp="1"/>
+          </p:cNvSpPr>
+          <p:nvPr>
+            <p:ph idx="1"/>
+          </p:nvPr>
+        </p:nvSpPr>
+        <p:spPr/>
+        <p:txBody>
+          <a:bodyPr/>
+          <a:lstStyle/>
+          <a:p>
+            <a:endParaRPr lang="zh-CN" altLang="en-US"/>
+          </a:p>
+        </p:txBody>
+      </p:sp>
+    </p:spTree>
+    <p:extLst>
+      <p:ext uri="{BB962C8B-B14F-4D97-AF65-F5344CB8AC3E}">
+        <p14:creationId xmlns:p14="http://schemas.microsoft.com/office/powerpoint/2010/main" val="1752980079"/>
+      </p:ext>
+    </p:extLst>
+  </p:cSld>
+  <p:clrMapOvr>
+    <a:masterClrMapping/>
+  </p:clrMapOvr>
+  <p:timing>
+    <p:tnLst>
+      <p:par>
+        <p:cTn id="1" dur="indefinite" restart="never" nodeType="tmRoot"/>
+      </p:par>
+    </p:tnLst>
+  </p:timing>
+</p:sld>
+</file>
+
 <file path=ppt/theme/theme1.xml><?xml version="1.0" encoding="utf-8"?>
 <a:theme xmlns:a="http://schemas.openxmlformats.org/drawingml/2006/main" name="Office 主题">
   <a:themeElements>

--- a/TechPlan/无线服务功能架构图.pptx
+++ b/TechPlan/无线服务功能架构图.pptx
@@ -291,7 +291,7 @@
           <a:p>
             <a:fld id="{84F7EAD5-32A2-4040-AC66-AA67EA0347ED}" type="datetimeFigureOut">
               <a:rPr lang="zh-CN" altLang="en-US" smtClean="0"/>
-              <a:t>2017/7/13</a:t>
+              <a:t>2017/7/27</a:t>
             </a:fld>
             <a:endParaRPr lang="zh-CN" altLang="en-US"/>
           </a:p>
@@ -461,7 +461,7 @@
           <a:p>
             <a:fld id="{84F7EAD5-32A2-4040-AC66-AA67EA0347ED}" type="datetimeFigureOut">
               <a:rPr lang="zh-CN" altLang="en-US" smtClean="0"/>
-              <a:t>2017/7/13</a:t>
+              <a:t>2017/7/27</a:t>
             </a:fld>
             <a:endParaRPr lang="zh-CN" altLang="en-US"/>
           </a:p>
@@ -641,7 +641,7 @@
           <a:p>
             <a:fld id="{84F7EAD5-32A2-4040-AC66-AA67EA0347ED}" type="datetimeFigureOut">
               <a:rPr lang="zh-CN" altLang="en-US" smtClean="0"/>
-              <a:t>2017/7/13</a:t>
+              <a:t>2017/7/27</a:t>
             </a:fld>
             <a:endParaRPr lang="zh-CN" altLang="en-US"/>
           </a:p>
@@ -811,7 +811,7 @@
           <a:p>
             <a:fld id="{84F7EAD5-32A2-4040-AC66-AA67EA0347ED}" type="datetimeFigureOut">
               <a:rPr lang="zh-CN" altLang="en-US" smtClean="0"/>
-              <a:t>2017/7/13</a:t>
+              <a:t>2017/7/27</a:t>
             </a:fld>
             <a:endParaRPr lang="zh-CN" altLang="en-US"/>
           </a:p>
@@ -1057,7 +1057,7 @@
           <a:p>
             <a:fld id="{84F7EAD5-32A2-4040-AC66-AA67EA0347ED}" type="datetimeFigureOut">
               <a:rPr lang="zh-CN" altLang="en-US" smtClean="0"/>
-              <a:t>2017/7/13</a:t>
+              <a:t>2017/7/27</a:t>
             </a:fld>
             <a:endParaRPr lang="zh-CN" altLang="en-US"/>
           </a:p>
@@ -1289,7 +1289,7 @@
           <a:p>
             <a:fld id="{84F7EAD5-32A2-4040-AC66-AA67EA0347ED}" type="datetimeFigureOut">
               <a:rPr lang="zh-CN" altLang="en-US" smtClean="0"/>
-              <a:t>2017/7/13</a:t>
+              <a:t>2017/7/27</a:t>
             </a:fld>
             <a:endParaRPr lang="zh-CN" altLang="en-US"/>
           </a:p>
@@ -1656,7 +1656,7 @@
           <a:p>
             <a:fld id="{84F7EAD5-32A2-4040-AC66-AA67EA0347ED}" type="datetimeFigureOut">
               <a:rPr lang="zh-CN" altLang="en-US" smtClean="0"/>
-              <a:t>2017/7/13</a:t>
+              <a:t>2017/7/27</a:t>
             </a:fld>
             <a:endParaRPr lang="zh-CN" altLang="en-US"/>
           </a:p>
@@ -1774,7 +1774,7 @@
           <a:p>
             <a:fld id="{84F7EAD5-32A2-4040-AC66-AA67EA0347ED}" type="datetimeFigureOut">
               <a:rPr lang="zh-CN" altLang="en-US" smtClean="0"/>
-              <a:t>2017/7/13</a:t>
+              <a:t>2017/7/27</a:t>
             </a:fld>
             <a:endParaRPr lang="zh-CN" altLang="en-US"/>
           </a:p>
@@ -1869,7 +1869,7 @@
           <a:p>
             <a:fld id="{84F7EAD5-32A2-4040-AC66-AA67EA0347ED}" type="datetimeFigureOut">
               <a:rPr lang="zh-CN" altLang="en-US" smtClean="0"/>
-              <a:t>2017/7/13</a:t>
+              <a:t>2017/7/27</a:t>
             </a:fld>
             <a:endParaRPr lang="zh-CN" altLang="en-US"/>
           </a:p>
@@ -2146,7 +2146,7 @@
           <a:p>
             <a:fld id="{84F7EAD5-32A2-4040-AC66-AA67EA0347ED}" type="datetimeFigureOut">
               <a:rPr lang="zh-CN" altLang="en-US" smtClean="0"/>
-              <a:t>2017/7/13</a:t>
+              <a:t>2017/7/27</a:t>
             </a:fld>
             <a:endParaRPr lang="zh-CN" altLang="en-US"/>
           </a:p>
@@ -2399,7 +2399,7 @@
           <a:p>
             <a:fld id="{84F7EAD5-32A2-4040-AC66-AA67EA0347ED}" type="datetimeFigureOut">
               <a:rPr lang="zh-CN" altLang="en-US" smtClean="0"/>
-              <a:t>2017/7/13</a:t>
+              <a:t>2017/7/27</a:t>
             </a:fld>
             <a:endParaRPr lang="zh-CN" altLang="en-US"/>
           </a:p>
@@ -2612,7 +2612,7 @@
           <a:p>
             <a:fld id="{84F7EAD5-32A2-4040-AC66-AA67EA0347ED}" type="datetimeFigureOut">
               <a:rPr lang="zh-CN" altLang="en-US" smtClean="0"/>
-              <a:t>2017/7/13</a:t>
+              <a:t>2017/7/27</a:t>
             </a:fld>
             <a:endParaRPr lang="zh-CN" altLang="en-US"/>
           </a:p>
@@ -5765,158 +5765,6 @@
               <a:rPr lang="zh-CN" altLang="en-US" sz="1600" dirty="0"/>
               <a:t>小程序</a:t>
             </a:r>
-            <a:endParaRPr lang="zh-CN" altLang="en-US" sz="1600" dirty="0"/>
-          </a:p>
-        </p:txBody>
-      </p:sp>
-      <p:sp>
-        <p:nvSpPr>
-          <p:cNvPr id="10" name="圆角矩形 9"/>
-          <p:cNvSpPr/>
-          <p:nvPr/>
-        </p:nvSpPr>
-        <p:spPr>
-          <a:xfrm>
-            <a:off x="8573475" y="1531812"/>
-            <a:ext cx="914400" cy="914400"/>
-          </a:xfrm>
-          <a:prstGeom prst="roundRect">
-            <a:avLst/>
-          </a:prstGeom>
-        </p:spPr>
-        <p:style>
-          <a:lnRef idx="2">
-            <a:schemeClr val="accent1">
-              <a:shade val="50000"/>
-            </a:schemeClr>
-          </a:lnRef>
-          <a:fillRef idx="1">
-            <a:schemeClr val="accent1"/>
-          </a:fillRef>
-          <a:effectRef idx="0">
-            <a:schemeClr val="accent1"/>
-          </a:effectRef>
-          <a:fontRef idx="minor">
-            <a:schemeClr val="lt1"/>
-          </a:fontRef>
-        </p:style>
-        <p:txBody>
-          <a:bodyPr rot="0" spcFirstLastPara="0" vert="horz" wrap="square" lIns="91440" tIns="45720" rIns="91440" bIns="45720" numCol="1" spcCol="0" rtlCol="0" fromWordArt="0" anchor="ctr" anchorCtr="0" forceAA="0" compatLnSpc="1">
-            <a:prstTxWarp prst="textNoShape">
-              <a:avLst/>
-            </a:prstTxWarp>
-            <a:noAutofit/>
-          </a:bodyPr>
-          <a:lstStyle>
-            <a:defPPr>
-              <a:defRPr lang="zh-CN"/>
-            </a:defPPr>
-            <a:lvl1pPr marL="0" algn="l" defTabSz="914400" rtl="0" eaLnBrk="1" latinLnBrk="0" hangingPunct="1">
-              <a:defRPr sz="1800" kern="1200">
-                <a:solidFill>
-                  <a:schemeClr val="lt1"/>
-                </a:solidFill>
-                <a:latin typeface="+mn-lt"/>
-                <a:ea typeface="+mn-ea"/>
-                <a:cs typeface="+mn-cs"/>
-              </a:defRPr>
-            </a:lvl1pPr>
-            <a:lvl2pPr marL="457200" algn="l" defTabSz="914400" rtl="0" eaLnBrk="1" latinLnBrk="0" hangingPunct="1">
-              <a:defRPr sz="1800" kern="1200">
-                <a:solidFill>
-                  <a:schemeClr val="lt1"/>
-                </a:solidFill>
-                <a:latin typeface="+mn-lt"/>
-                <a:ea typeface="+mn-ea"/>
-                <a:cs typeface="+mn-cs"/>
-              </a:defRPr>
-            </a:lvl2pPr>
-            <a:lvl3pPr marL="914400" algn="l" defTabSz="914400" rtl="0" eaLnBrk="1" latinLnBrk="0" hangingPunct="1">
-              <a:defRPr sz="1800" kern="1200">
-                <a:solidFill>
-                  <a:schemeClr val="lt1"/>
-                </a:solidFill>
-                <a:latin typeface="+mn-lt"/>
-                <a:ea typeface="+mn-ea"/>
-                <a:cs typeface="+mn-cs"/>
-              </a:defRPr>
-            </a:lvl3pPr>
-            <a:lvl4pPr marL="1371600" algn="l" defTabSz="914400" rtl="0" eaLnBrk="1" latinLnBrk="0" hangingPunct="1">
-              <a:defRPr sz="1800" kern="1200">
-                <a:solidFill>
-                  <a:schemeClr val="lt1"/>
-                </a:solidFill>
-                <a:latin typeface="+mn-lt"/>
-                <a:ea typeface="+mn-ea"/>
-                <a:cs typeface="+mn-cs"/>
-              </a:defRPr>
-            </a:lvl4pPr>
-            <a:lvl5pPr marL="1828800" algn="l" defTabSz="914400" rtl="0" eaLnBrk="1" latinLnBrk="0" hangingPunct="1">
-              <a:defRPr sz="1800" kern="1200">
-                <a:solidFill>
-                  <a:schemeClr val="lt1"/>
-                </a:solidFill>
-                <a:latin typeface="+mn-lt"/>
-                <a:ea typeface="+mn-ea"/>
-                <a:cs typeface="+mn-cs"/>
-              </a:defRPr>
-            </a:lvl5pPr>
-            <a:lvl6pPr marL="2286000" algn="l" defTabSz="914400" rtl="0" eaLnBrk="1" latinLnBrk="0" hangingPunct="1">
-              <a:defRPr sz="1800" kern="1200">
-                <a:solidFill>
-                  <a:schemeClr val="lt1"/>
-                </a:solidFill>
-                <a:latin typeface="+mn-lt"/>
-                <a:ea typeface="+mn-ea"/>
-                <a:cs typeface="+mn-cs"/>
-              </a:defRPr>
-            </a:lvl6pPr>
-            <a:lvl7pPr marL="2743200" algn="l" defTabSz="914400" rtl="0" eaLnBrk="1" latinLnBrk="0" hangingPunct="1">
-              <a:defRPr sz="1800" kern="1200">
-                <a:solidFill>
-                  <a:schemeClr val="lt1"/>
-                </a:solidFill>
-                <a:latin typeface="+mn-lt"/>
-                <a:ea typeface="+mn-ea"/>
-                <a:cs typeface="+mn-cs"/>
-              </a:defRPr>
-            </a:lvl7pPr>
-            <a:lvl8pPr marL="3200400" algn="l" defTabSz="914400" rtl="0" eaLnBrk="1" latinLnBrk="0" hangingPunct="1">
-              <a:defRPr sz="1800" kern="1200">
-                <a:solidFill>
-                  <a:schemeClr val="lt1"/>
-                </a:solidFill>
-                <a:latin typeface="+mn-lt"/>
-                <a:ea typeface="+mn-ea"/>
-                <a:cs typeface="+mn-cs"/>
-              </a:defRPr>
-            </a:lvl8pPr>
-            <a:lvl9pPr marL="3657600" algn="l" defTabSz="914400" rtl="0" eaLnBrk="1" latinLnBrk="0" hangingPunct="1">
-              <a:defRPr sz="1800" kern="1200">
-                <a:solidFill>
-                  <a:schemeClr val="lt1"/>
-                </a:solidFill>
-                <a:latin typeface="+mn-lt"/>
-                <a:ea typeface="+mn-ea"/>
-                <a:cs typeface="+mn-cs"/>
-              </a:defRPr>
-            </a:lvl9pPr>
-          </a:lstStyle>
-          <a:p>
-            <a:pPr algn="ctr"/>
-            <a:r>
-              <a:rPr lang="en-US" altLang="zh-CN" dirty="0" smtClean="0">
-                <a:solidFill>
-                  <a:srgbClr val="FF0000"/>
-                </a:solidFill>
-              </a:rPr>
-              <a:t>C</a:t>
-            </a:r>
-            <a:r>
-              <a:rPr lang="en-US" altLang="zh-CN" dirty="0" smtClean="0"/>
-              <a:t>…</a:t>
-            </a:r>
-            <a:endParaRPr lang="zh-CN" altLang="en-US" dirty="0"/>
           </a:p>
         </p:txBody>
       </p:sp>
@@ -6228,7 +6076,7 @@
         <p:spPr>
           <a:xfrm>
             <a:off x="2133598" y="4224214"/>
-            <a:ext cx="5040925" cy="937846"/>
+            <a:ext cx="6033249" cy="937846"/>
           </a:xfrm>
           <a:prstGeom prst="roundRect">
             <a:avLst/>
@@ -6291,8 +6139,8 @@
         </p:nvSpPr>
         <p:spPr>
           <a:xfrm>
-            <a:off x="7541991" y="4224214"/>
-            <a:ext cx="1187647" cy="914400"/>
+            <a:off x="8573475" y="4247660"/>
+            <a:ext cx="1649045" cy="914400"/>
           </a:xfrm>
           <a:prstGeom prst="roundRect">
             <a:avLst/>
@@ -6327,58 +6175,6 @@
               <a:rPr lang="zh-CN" altLang="en-US" dirty="0"/>
               <a:t>引擎</a:t>
             </a:r>
-          </a:p>
-        </p:txBody>
-      </p:sp>
-      <p:sp>
-        <p:nvSpPr>
-          <p:cNvPr id="34" name="圆角矩形 33"/>
-          <p:cNvSpPr/>
-          <p:nvPr/>
-        </p:nvSpPr>
-        <p:spPr>
-          <a:xfrm>
-            <a:off x="9030675" y="4235937"/>
-            <a:ext cx="1250461" cy="914400"/>
-          </a:xfrm>
-          <a:prstGeom prst="roundRect">
-            <a:avLst/>
-          </a:prstGeom>
-          <a:solidFill>
-            <a:schemeClr val="accent2"/>
-          </a:solidFill>
-          <a:ln>
-            <a:noFill/>
-          </a:ln>
-        </p:spPr>
-        <p:style>
-          <a:lnRef idx="0">
-            <a:scrgbClr r="0" g="0" b="0"/>
-          </a:lnRef>
-          <a:fillRef idx="0">
-            <a:scrgbClr r="0" g="0" b="0"/>
-          </a:fillRef>
-          <a:effectRef idx="0">
-            <a:scrgbClr r="0" g="0" b="0"/>
-          </a:effectRef>
-          <a:fontRef idx="minor">
-            <a:schemeClr val="lt1"/>
-          </a:fontRef>
-        </p:style>
-        <p:txBody>
-          <a:bodyPr rtlCol="0" anchor="ctr"/>
-          <a:lstStyle/>
-          <a:p>
-            <a:pPr algn="ctr"/>
-            <a:r>
-              <a:rPr lang="zh-CN" altLang="en-US" sz="1400" dirty="0" smtClean="0"/>
-              <a:t>逻辑简单</a:t>
-            </a:r>
-            <a:r>
-              <a:rPr lang="en-US" altLang="zh-CN" sz="1400" dirty="0" smtClean="0"/>
-              <a:t>…</a:t>
-            </a:r>
-            <a:endParaRPr lang="zh-CN" altLang="en-US" sz="1400" dirty="0"/>
           </a:p>
         </p:txBody>
       </p:sp>
